--- a/Introduction to Azure Machine Learning - english.pptx
+++ b/Introduction to Azure Machine Learning - english.pptx
@@ -6,28 +6,31 @@
     <p:sldMasterId id="2147483708" r:id="rId2"/>
   </p:sldMasterIdLst>
   <p:notesMasterIdLst>
-    <p:notesMasterId r:id="rId22"/>
+    <p:notesMasterId r:id="rId25"/>
   </p:notesMasterIdLst>
   <p:sldIdLst>
     <p:sldId id="273" r:id="rId3"/>
     <p:sldId id="257" r:id="rId4"/>
     <p:sldId id="258" r:id="rId5"/>
     <p:sldId id="275" r:id="rId6"/>
-    <p:sldId id="260" r:id="rId7"/>
-    <p:sldId id="261" r:id="rId8"/>
-    <p:sldId id="274" r:id="rId9"/>
-    <p:sldId id="262" r:id="rId10"/>
-    <p:sldId id="259" r:id="rId11"/>
-    <p:sldId id="263" r:id="rId12"/>
-    <p:sldId id="264" r:id="rId13"/>
-    <p:sldId id="272" r:id="rId14"/>
-    <p:sldId id="276" r:id="rId15"/>
-    <p:sldId id="277" r:id="rId16"/>
-    <p:sldId id="278" r:id="rId17"/>
-    <p:sldId id="279" r:id="rId18"/>
-    <p:sldId id="280" r:id="rId19"/>
-    <p:sldId id="281" r:id="rId20"/>
-    <p:sldId id="282" r:id="rId21"/>
+    <p:sldId id="283" r:id="rId7"/>
+    <p:sldId id="260" r:id="rId8"/>
+    <p:sldId id="261" r:id="rId9"/>
+    <p:sldId id="274" r:id="rId10"/>
+    <p:sldId id="262" r:id="rId11"/>
+    <p:sldId id="259" r:id="rId12"/>
+    <p:sldId id="263" r:id="rId13"/>
+    <p:sldId id="264" r:id="rId14"/>
+    <p:sldId id="272" r:id="rId15"/>
+    <p:sldId id="284" r:id="rId16"/>
+    <p:sldId id="285" r:id="rId17"/>
+    <p:sldId id="276" r:id="rId18"/>
+    <p:sldId id="277" r:id="rId19"/>
+    <p:sldId id="278" r:id="rId20"/>
+    <p:sldId id="279" r:id="rId21"/>
+    <p:sldId id="280" r:id="rId22"/>
+    <p:sldId id="281" r:id="rId23"/>
+    <p:sldId id="282" r:id="rId24"/>
   </p:sldIdLst>
   <p:sldSz cx="12192000" cy="6858000"/>
   <p:notesSz cx="6858000" cy="9144000"/>
@@ -128,7 +131,18 @@
   </p:defaultTextStyle>
   <p:extLst>
     <p:ext uri="{EFAFB233-063F-42B5-8137-9DF3F51BA10A}">
-      <p15:sldGuideLst xmlns:p15="http://schemas.microsoft.com/office/powerpoint/2012/main"/>
+      <p15:sldGuideLst xmlns:p15="http://schemas.microsoft.com/office/powerpoint/2012/main">
+        <p15:guide id="1" orient="horz" pos="2160">
+          <p15:clr>
+            <a:srgbClr val="A4A3A4"/>
+          </p15:clr>
+        </p15:guide>
+        <p15:guide id="2" pos="3840">
+          <p15:clr>
+            <a:srgbClr val="A4A3A4"/>
+          </p15:clr>
+        </p15:guide>
+      </p15:sldGuideLst>
     </p:ext>
   </p:extLst>
 </p:presentation>
@@ -216,7 +230,7 @@
           <a:p>
             <a:fld id="{7E402BD2-B4BA-4330-8747-1DB2D9EC268B}" type="datetimeFigureOut">
               <a:rPr lang="en-US" smtClean="0"/>
-              <a:t>14/07/2015</a:t>
+              <a:t>4/18/16</a:t>
             </a:fld>
             <a:endParaRPr lang="en-US"/>
           </a:p>
@@ -568,11 +582,7 @@
             </a:br>
             <a:r>
               <a:rPr lang="en-US" baseline="0" dirty="0" smtClean="0"/>
-              <a:t>Solution needs to be adapted to particular </a:t>
-            </a:r>
-            <a:r>
-              <a:rPr lang="en-US" baseline="0" dirty="0" smtClean="0"/>
-              <a:t>cases</a:t>
+              <a:t>Solution needs to be adapted to particular cases</a:t>
             </a:r>
             <a:br>
               <a:rPr lang="en-US" baseline="0" dirty="0" smtClean="0"/>
@@ -715,38 +725,6 @@
           <a:bodyPr/>
           <a:lstStyle/>
           <a:p>
-            <a:r>
-              <a:rPr lang="en-US" smtClean="0"/>
-              <a:t>Dataset URL:</a:t>
-            </a:r>
-            <a:r>
-              <a:rPr lang="en-US" baseline="0" smtClean="0"/>
-              <a:t> </a:t>
-            </a:r>
-            <a:r>
-              <a:rPr lang="en-US" smtClean="0"/>
-              <a:t>http</a:t>
-            </a:r>
-            <a:r>
-              <a:rPr lang="en-US" dirty="0" smtClean="0"/>
-              <a:t>://archive.ics.uci.edu/ml/datasets/</a:t>
-            </a:r>
-            <a:r>
-              <a:rPr lang="en-US" dirty="0" err="1" smtClean="0"/>
-              <a:t>Statlog</a:t>
-            </a:r>
-            <a:r>
-              <a:rPr lang="en-US" dirty="0" smtClean="0"/>
-              <a:t>+(</a:t>
-            </a:r>
-            <a:r>
-              <a:rPr lang="en-US" dirty="0" err="1" smtClean="0"/>
-              <a:t>German+Credit+Data</a:t>
-            </a:r>
-            <a:r>
-              <a:rPr lang="en-US" dirty="0" smtClean="0"/>
-              <a:t>)</a:t>
-            </a:r>
             <a:endParaRPr lang="en-US" dirty="0"/>
           </a:p>
         </p:txBody>
@@ -766,9 +744,357 @@
           <a:bodyPr/>
           <a:lstStyle/>
           <a:p>
+            <a:fld id="{E8E0C7AF-2660-414A-86BE-5271509D8324}" type="slidenum">
+              <a:rPr lang="en-US" smtClean="0"/>
+              <a:t>15</a:t>
+            </a:fld>
+            <a:endParaRPr lang="en-US"/>
+          </a:p>
+        </p:txBody>
+      </p:sp>
+    </p:spTree>
+    <p:extLst>
+      <p:ext uri="{BB962C8B-B14F-4D97-AF65-F5344CB8AC3E}">
+        <p14:creationId xmlns:p14="http://schemas.microsoft.com/office/powerpoint/2010/main" val="2051893636"/>
+      </p:ext>
+    </p:extLst>
+  </p:cSld>
+  <p:clrMapOvr>
+    <a:masterClrMapping/>
+  </p:clrMapOvr>
+</p:notes>
+</file>
+
+<file path=ppt/notesSlides/notesSlide11.xml><?xml version="1.0" encoding="utf-8"?>
+<p:notes xmlns:a="http://schemas.openxmlformats.org/drawingml/2006/main" xmlns:r="http://schemas.openxmlformats.org/officeDocument/2006/relationships" xmlns:p="http://schemas.openxmlformats.org/presentationml/2006/main">
+  <p:cSld>
+    <p:spTree>
+      <p:nvGrpSpPr>
+        <p:cNvPr id="1" name=""/>
+        <p:cNvGrpSpPr/>
+        <p:nvPr/>
+      </p:nvGrpSpPr>
+      <p:grpSpPr>
+        <a:xfrm>
+          <a:off x="0" y="0"/>
+          <a:ext cx="0" cy="0"/>
+          <a:chOff x="0" y="0"/>
+          <a:chExt cx="0" cy="0"/>
+        </a:xfrm>
+      </p:grpSpPr>
+      <p:sp>
+        <p:nvSpPr>
+          <p:cNvPr id="2" name="Slide Image Placeholder 1"/>
+          <p:cNvSpPr>
+            <a:spLocks noGrp="1" noRot="1" noChangeAspect="1"/>
+          </p:cNvSpPr>
+          <p:nvPr>
+            <p:ph type="sldImg"/>
+          </p:nvPr>
+        </p:nvSpPr>
+        <p:spPr/>
+      </p:sp>
+      <p:sp>
+        <p:nvSpPr>
+          <p:cNvPr id="3" name="Notes Placeholder 2"/>
+          <p:cNvSpPr>
+            <a:spLocks noGrp="1"/>
+          </p:cNvSpPr>
+          <p:nvPr>
+            <p:ph type="body" idx="1"/>
+          </p:nvPr>
+        </p:nvSpPr>
+        <p:spPr/>
+        <p:txBody>
+          <a:bodyPr/>
+          <a:lstStyle/>
+          <a:p>
+            <a:r>
+              <a:rPr lang="en-US" smtClean="0"/>
+              <a:t>Dataset URL:</a:t>
+            </a:r>
+            <a:r>
+              <a:rPr lang="en-US" baseline="0" smtClean="0"/>
+              <a:t> </a:t>
+            </a:r>
+            <a:r>
+              <a:rPr lang="en-US" smtClean="0"/>
+              <a:t>http</a:t>
+            </a:r>
+            <a:r>
+              <a:rPr lang="en-US" dirty="0" smtClean="0"/>
+              <a:t>://archive.ics.uci.edu/ml/datasets/</a:t>
+            </a:r>
+            <a:r>
+              <a:rPr lang="en-US" dirty="0" err="1" smtClean="0"/>
+              <a:t>Statlog</a:t>
+            </a:r>
+            <a:r>
+              <a:rPr lang="en-US" dirty="0" smtClean="0"/>
+              <a:t>+(</a:t>
+            </a:r>
+            <a:r>
+              <a:rPr lang="en-US" dirty="0" err="1" smtClean="0"/>
+              <a:t>German+Credit+Data</a:t>
+            </a:r>
+            <a:r>
+              <a:rPr lang="en-US" dirty="0" smtClean="0"/>
+              <a:t>)</a:t>
+            </a:r>
+            <a:endParaRPr lang="en-US" dirty="0"/>
+          </a:p>
+        </p:txBody>
+      </p:sp>
+      <p:sp>
+        <p:nvSpPr>
+          <p:cNvPr id="4" name="Slide Number Placeholder 3"/>
+          <p:cNvSpPr>
+            <a:spLocks noGrp="1"/>
+          </p:cNvSpPr>
+          <p:nvPr>
+            <p:ph type="sldNum" sz="quarter" idx="10"/>
+          </p:nvPr>
+        </p:nvSpPr>
+        <p:spPr/>
+        <p:txBody>
+          <a:bodyPr/>
+          <a:lstStyle/>
+          <a:p>
             <a:fld id="{F3B6C9A0-4BDD-4464-A945-E32AEE347D91}" type="slidenum">
               <a:rPr lang="en-US" smtClean="0"/>
-              <a:t>15</a:t>
+              <a:t>16</a:t>
+            </a:fld>
+            <a:endParaRPr lang="en-US"/>
+          </a:p>
+        </p:txBody>
+      </p:sp>
+    </p:spTree>
+    <p:extLst>
+      <p:ext uri="{BB962C8B-B14F-4D97-AF65-F5344CB8AC3E}">
+        <p14:creationId xmlns:p14="http://schemas.microsoft.com/office/powerpoint/2010/main" val="3178214602"/>
+      </p:ext>
+    </p:extLst>
+  </p:cSld>
+  <p:clrMapOvr>
+    <a:masterClrMapping/>
+  </p:clrMapOvr>
+</p:notes>
+</file>
+
+<file path=ppt/notesSlides/notesSlide12.xml><?xml version="1.0" encoding="utf-8"?>
+<p:notes xmlns:a="http://schemas.openxmlformats.org/drawingml/2006/main" xmlns:r="http://schemas.openxmlformats.org/officeDocument/2006/relationships" xmlns:p="http://schemas.openxmlformats.org/presentationml/2006/main">
+  <p:cSld>
+    <p:spTree>
+      <p:nvGrpSpPr>
+        <p:cNvPr id="1" name=""/>
+        <p:cNvGrpSpPr/>
+        <p:nvPr/>
+      </p:nvGrpSpPr>
+      <p:grpSpPr>
+        <a:xfrm>
+          <a:off x="0" y="0"/>
+          <a:ext cx="0" cy="0"/>
+          <a:chOff x="0" y="0"/>
+          <a:chExt cx="0" cy="0"/>
+        </a:xfrm>
+      </p:grpSpPr>
+      <p:sp>
+        <p:nvSpPr>
+          <p:cNvPr id="2" name="Slide Image Placeholder 1"/>
+          <p:cNvSpPr>
+            <a:spLocks noGrp="1" noRot="1" noChangeAspect="1"/>
+          </p:cNvSpPr>
+          <p:nvPr>
+            <p:ph type="sldImg"/>
+          </p:nvPr>
+        </p:nvSpPr>
+        <p:spPr/>
+      </p:sp>
+      <p:sp>
+        <p:nvSpPr>
+          <p:cNvPr id="3" name="Notes Placeholder 2"/>
+          <p:cNvSpPr>
+            <a:spLocks noGrp="1"/>
+          </p:cNvSpPr>
+          <p:nvPr>
+            <p:ph type="body" idx="1"/>
+          </p:nvPr>
+        </p:nvSpPr>
+        <p:spPr/>
+        <p:txBody>
+          <a:bodyPr/>
+          <a:lstStyle/>
+          <a:p>
+            <a:r>
+              <a:rPr lang="en-US" smtClean="0"/>
+              <a:t>Dataset URL:</a:t>
+            </a:r>
+            <a:r>
+              <a:rPr lang="en-US" baseline="0" smtClean="0"/>
+              <a:t> </a:t>
+            </a:r>
+            <a:r>
+              <a:rPr lang="en-US" smtClean="0"/>
+              <a:t>http</a:t>
+            </a:r>
+            <a:r>
+              <a:rPr lang="en-US" dirty="0" smtClean="0"/>
+              <a:t>://archive.ics.uci.edu/ml/datasets/</a:t>
+            </a:r>
+            <a:r>
+              <a:rPr lang="en-US" dirty="0" err="1" smtClean="0"/>
+              <a:t>Statlog</a:t>
+            </a:r>
+            <a:r>
+              <a:rPr lang="en-US" dirty="0" smtClean="0"/>
+              <a:t>+(</a:t>
+            </a:r>
+            <a:r>
+              <a:rPr lang="en-US" dirty="0" err="1" smtClean="0"/>
+              <a:t>German+Credit+Data</a:t>
+            </a:r>
+            <a:r>
+              <a:rPr lang="en-US" dirty="0" smtClean="0"/>
+              <a:t>)</a:t>
+            </a:r>
+            <a:endParaRPr lang="en-US" dirty="0"/>
+          </a:p>
+        </p:txBody>
+      </p:sp>
+      <p:sp>
+        <p:nvSpPr>
+          <p:cNvPr id="4" name="Slide Number Placeholder 3"/>
+          <p:cNvSpPr>
+            <a:spLocks noGrp="1"/>
+          </p:cNvSpPr>
+          <p:nvPr>
+            <p:ph type="sldNum" sz="quarter" idx="10"/>
+          </p:nvPr>
+        </p:nvSpPr>
+        <p:spPr/>
+        <p:txBody>
+          <a:bodyPr/>
+          <a:lstStyle/>
+          <a:p>
+            <a:fld id="{F3B6C9A0-4BDD-4464-A945-E32AEE347D91}" type="slidenum">
+              <a:rPr lang="en-US" smtClean="0"/>
+              <a:t>17</a:t>
+            </a:fld>
+            <a:endParaRPr lang="en-US"/>
+          </a:p>
+        </p:txBody>
+      </p:sp>
+    </p:spTree>
+    <p:extLst>
+      <p:ext uri="{BB962C8B-B14F-4D97-AF65-F5344CB8AC3E}">
+        <p14:creationId xmlns:p14="http://schemas.microsoft.com/office/powerpoint/2010/main" val="1449527801"/>
+      </p:ext>
+    </p:extLst>
+  </p:cSld>
+  <p:clrMapOvr>
+    <a:masterClrMapping/>
+  </p:clrMapOvr>
+</p:notes>
+</file>
+
+<file path=ppt/notesSlides/notesSlide13.xml><?xml version="1.0" encoding="utf-8"?>
+<p:notes xmlns:a="http://schemas.openxmlformats.org/drawingml/2006/main" xmlns:r="http://schemas.openxmlformats.org/officeDocument/2006/relationships" xmlns:p="http://schemas.openxmlformats.org/presentationml/2006/main">
+  <p:cSld>
+    <p:spTree>
+      <p:nvGrpSpPr>
+        <p:cNvPr id="1" name=""/>
+        <p:cNvGrpSpPr/>
+        <p:nvPr/>
+      </p:nvGrpSpPr>
+      <p:grpSpPr>
+        <a:xfrm>
+          <a:off x="0" y="0"/>
+          <a:ext cx="0" cy="0"/>
+          <a:chOff x="0" y="0"/>
+          <a:chExt cx="0" cy="0"/>
+        </a:xfrm>
+      </p:grpSpPr>
+      <p:sp>
+        <p:nvSpPr>
+          <p:cNvPr id="2" name="Slide Image Placeholder 1"/>
+          <p:cNvSpPr>
+            <a:spLocks noGrp="1" noRot="1" noChangeAspect="1"/>
+          </p:cNvSpPr>
+          <p:nvPr>
+            <p:ph type="sldImg"/>
+          </p:nvPr>
+        </p:nvSpPr>
+        <p:spPr/>
+      </p:sp>
+      <p:sp>
+        <p:nvSpPr>
+          <p:cNvPr id="3" name="Notes Placeholder 2"/>
+          <p:cNvSpPr>
+            <a:spLocks noGrp="1"/>
+          </p:cNvSpPr>
+          <p:nvPr>
+            <p:ph type="body" idx="1"/>
+          </p:nvPr>
+        </p:nvSpPr>
+        <p:spPr/>
+        <p:txBody>
+          <a:bodyPr/>
+          <a:lstStyle/>
+          <a:p>
+            <a:r>
+              <a:rPr lang="en-US" smtClean="0"/>
+              <a:t>Dataset URL:</a:t>
+            </a:r>
+            <a:r>
+              <a:rPr lang="en-US" baseline="0" smtClean="0"/>
+              <a:t> </a:t>
+            </a:r>
+            <a:r>
+              <a:rPr lang="en-US" smtClean="0"/>
+              <a:t>http</a:t>
+            </a:r>
+            <a:r>
+              <a:rPr lang="en-US" dirty="0" smtClean="0"/>
+              <a:t>://archive.ics.uci.edu/ml/datasets/</a:t>
+            </a:r>
+            <a:r>
+              <a:rPr lang="en-US" dirty="0" err="1" smtClean="0"/>
+              <a:t>Statlog</a:t>
+            </a:r>
+            <a:r>
+              <a:rPr lang="en-US" dirty="0" smtClean="0"/>
+              <a:t>+(</a:t>
+            </a:r>
+            <a:r>
+              <a:rPr lang="en-US" dirty="0" err="1" smtClean="0"/>
+              <a:t>German+Credit+Data</a:t>
+            </a:r>
+            <a:r>
+              <a:rPr lang="en-US" dirty="0" smtClean="0"/>
+              <a:t>)</a:t>
+            </a:r>
+            <a:endParaRPr lang="en-US" dirty="0"/>
+          </a:p>
+        </p:txBody>
+      </p:sp>
+      <p:sp>
+        <p:nvSpPr>
+          <p:cNvPr id="4" name="Slide Number Placeholder 3"/>
+          <p:cNvSpPr>
+            <a:spLocks noGrp="1"/>
+          </p:cNvSpPr>
+          <p:nvPr>
+            <p:ph type="sldNum" sz="quarter" idx="10"/>
+          </p:nvPr>
+        </p:nvSpPr>
+        <p:spPr/>
+        <p:txBody>
+          <a:bodyPr/>
+          <a:lstStyle/>
+          <a:p>
+            <a:fld id="{F3B6C9A0-4BDD-4464-A945-E32AEE347D91}" type="slidenum">
+              <a:rPr lang="en-US" smtClean="0"/>
+              <a:t>18</a:t>
             </a:fld>
             <a:endParaRPr lang="en-US"/>
           </a:p>
@@ -831,48 +1157,6 @@
           <a:bodyPr/>
           <a:lstStyle/>
           <a:p>
-            <a:r>
-              <a:rPr lang="en-US" dirty="0" smtClean="0"/>
-              <a:t>Other cases:</a:t>
-            </a:r>
-            <a:br>
-              <a:rPr lang="en-US" dirty="0" smtClean="0"/>
-            </a:br>
-            <a:r>
-              <a:rPr lang="en-US" dirty="0" smtClean="0"/>
-              <a:t>Image search (similarity</a:t>
-            </a:r>
-            <a:br>
-              <a:rPr lang="en-US" dirty="0" smtClean="0"/>
-            </a:br>
-            <a:r>
-              <a:rPr lang="en-US" dirty="0" smtClean="0"/>
-              <a:t>Fraud detection (credit card providers)</a:t>
-            </a:r>
-            <a:br>
-              <a:rPr lang="en-US" dirty="0" smtClean="0"/>
-            </a:br>
-            <a:r>
-              <a:rPr lang="en-US" dirty="0" smtClean="0"/>
-              <a:t>Decision making (bank/insurance sector)</a:t>
-            </a:r>
-            <a:br>
-              <a:rPr lang="en-US" dirty="0" smtClean="0"/>
-            </a:br>
-            <a:r>
-              <a:rPr lang="en-US" dirty="0" smtClean="0"/>
-              <a:t>Speech</a:t>
-            </a:r>
-            <a:r>
-              <a:rPr lang="en-US" baseline="0" dirty="0" smtClean="0"/>
-              <a:t> understanding (Siri, Cortana)</a:t>
-            </a:r>
-          </a:p>
-          <a:p>
-            <a:r>
-              <a:rPr lang="en-US" baseline="0" dirty="0" smtClean="0"/>
-              <a:t>Face detection (Facebook’s photo tagging)</a:t>
-            </a:r>
             <a:endParaRPr lang="en-US" dirty="0"/>
           </a:p>
         </p:txBody>
@@ -903,7 +1187,7 @@
     </p:spTree>
     <p:extLst>
       <p:ext uri="{BB962C8B-B14F-4D97-AF65-F5344CB8AC3E}">
-        <p14:creationId xmlns:p14="http://schemas.microsoft.com/office/powerpoint/2010/main" val="3679206738"/>
+        <p14:creationId xmlns:p14="http://schemas.microsoft.com/office/powerpoint/2010/main" val="1958475180"/>
       </p:ext>
     </p:extLst>
   </p:cSld>
@@ -957,6 +1241,48 @@
           <a:bodyPr/>
           <a:lstStyle/>
           <a:p>
+            <a:r>
+              <a:rPr lang="en-US" dirty="0" smtClean="0"/>
+              <a:t>Other cases:</a:t>
+            </a:r>
+            <a:br>
+              <a:rPr lang="en-US" dirty="0" smtClean="0"/>
+            </a:br>
+            <a:r>
+              <a:rPr lang="en-US" dirty="0" smtClean="0"/>
+              <a:t>Image search (similarity</a:t>
+            </a:r>
+            <a:br>
+              <a:rPr lang="en-US" dirty="0" smtClean="0"/>
+            </a:br>
+            <a:r>
+              <a:rPr lang="en-US" dirty="0" smtClean="0"/>
+              <a:t>Fraud detection (credit card providers)</a:t>
+            </a:r>
+            <a:br>
+              <a:rPr lang="en-US" dirty="0" smtClean="0"/>
+            </a:br>
+            <a:r>
+              <a:rPr lang="en-US" dirty="0" smtClean="0"/>
+              <a:t>Decision making (bank/insurance sector)</a:t>
+            </a:r>
+            <a:br>
+              <a:rPr lang="en-US" dirty="0" smtClean="0"/>
+            </a:br>
+            <a:r>
+              <a:rPr lang="en-US" dirty="0" smtClean="0"/>
+              <a:t>Speech</a:t>
+            </a:r>
+            <a:r>
+              <a:rPr lang="en-US" baseline="0" dirty="0" smtClean="0"/>
+              <a:t> understanding (Siri, Cortana)</a:t>
+            </a:r>
+          </a:p>
+          <a:p>
+            <a:r>
+              <a:rPr lang="en-US" baseline="0" dirty="0" smtClean="0"/>
+              <a:t>Face detection (Facebook’s photo tagging)</a:t>
+            </a:r>
             <a:endParaRPr lang="en-US" dirty="0"/>
           </a:p>
         </p:txBody>
@@ -987,7 +1313,7 @@
     </p:spTree>
     <p:extLst>
       <p:ext uri="{BB962C8B-B14F-4D97-AF65-F5344CB8AC3E}">
-        <p14:creationId xmlns:p14="http://schemas.microsoft.com/office/powerpoint/2010/main" val="2299227241"/>
+        <p14:creationId xmlns:p14="http://schemas.microsoft.com/office/powerpoint/2010/main" val="3679206738"/>
       </p:ext>
     </p:extLst>
   </p:cSld>
@@ -1041,10 +1367,6 @@
           <a:bodyPr/>
           <a:lstStyle/>
           <a:p>
-            <a:r>
-              <a:rPr lang="en-US" dirty="0" smtClean="0"/>
-              <a:t>https://azure.microsoft.com/en-us/documentation/articles/machine-learning-data-science-how-to-create-machine-learning-service/</a:t>
-            </a:r>
             <a:endParaRPr lang="en-US" dirty="0"/>
           </a:p>
         </p:txBody>
@@ -1066,7 +1388,7 @@
           <a:p>
             <a:fld id="{E8E0C7AF-2660-414A-86BE-5271509D8324}" type="slidenum">
               <a:rPr lang="en-US" smtClean="0"/>
-              <a:t>8</a:t>
+              <a:t>7</a:t>
             </a:fld>
             <a:endParaRPr lang="en-US"/>
           </a:p>
@@ -1075,7 +1397,7 @@
     </p:spTree>
     <p:extLst>
       <p:ext uri="{BB962C8B-B14F-4D97-AF65-F5344CB8AC3E}">
-        <p14:creationId xmlns:p14="http://schemas.microsoft.com/office/powerpoint/2010/main" val="194811677"/>
+        <p14:creationId xmlns:p14="http://schemas.microsoft.com/office/powerpoint/2010/main" val="2299227241"/>
       </p:ext>
     </p:extLst>
   </p:cSld>
@@ -1131,15 +1453,7 @@
           <a:p>
             <a:r>
               <a:rPr lang="en-US" dirty="0" smtClean="0"/>
-              <a:t>Dataset URL:</a:t>
-            </a:r>
-            <a:r>
-              <a:rPr lang="en-US" baseline="0" dirty="0" smtClean="0"/>
-              <a:t> </a:t>
-            </a:r>
-            <a:r>
-              <a:rPr lang="en-US" dirty="0" smtClean="0"/>
-              <a:t>http://archive.ics.uci.edu/ml/datasets/Statlog+(German+Credit+Data)</a:t>
+              <a:t>https://azure.microsoft.com/en-us/documentation/articles/machine-learning-data-science-how-to-create-machine-learning-service/</a:t>
             </a:r>
             <a:endParaRPr lang="en-US" dirty="0"/>
           </a:p>
@@ -1160,9 +1474,9 @@
           <a:bodyPr/>
           <a:lstStyle/>
           <a:p>
-            <a:fld id="{F3B6C9A0-4BDD-4464-A945-E32AEE347D91}" type="slidenum">
+            <a:fld id="{E8E0C7AF-2660-414A-86BE-5271509D8324}" type="slidenum">
               <a:rPr lang="en-US" smtClean="0"/>
-              <a:t>10</a:t>
+              <a:t>9</a:t>
             </a:fld>
             <a:endParaRPr lang="en-US"/>
           </a:p>
@@ -1171,7 +1485,7 @@
     </p:spTree>
     <p:extLst>
       <p:ext uri="{BB962C8B-B14F-4D97-AF65-F5344CB8AC3E}">
-        <p14:creationId xmlns:p14="http://schemas.microsoft.com/office/powerpoint/2010/main" val="2757444471"/>
+        <p14:creationId xmlns:p14="http://schemas.microsoft.com/office/powerpoint/2010/main" val="194811677"/>
       </p:ext>
     </p:extLst>
   </p:cSld>
@@ -1226,36 +1540,16 @@
           <a:lstStyle/>
           <a:p>
             <a:r>
-              <a:rPr lang="en-US" smtClean="0"/>
+              <a:rPr lang="en-US" dirty="0" smtClean="0"/>
               <a:t>Dataset URL:</a:t>
             </a:r>
             <a:r>
-              <a:rPr lang="en-US" baseline="0" smtClean="0"/>
+              <a:rPr lang="en-US" baseline="0" dirty="0" smtClean="0"/>
               <a:t> </a:t>
             </a:r>
             <a:r>
-              <a:rPr lang="en-US" smtClean="0"/>
-              <a:t>http</a:t>
-            </a:r>
-            <a:r>
               <a:rPr lang="en-US" dirty="0" smtClean="0"/>
-              <a:t>://archive.ics.uci.edu/ml/datasets/</a:t>
-            </a:r>
-            <a:r>
-              <a:rPr lang="en-US" dirty="0" err="1" smtClean="0"/>
-              <a:t>Statlog</a:t>
-            </a:r>
-            <a:r>
-              <a:rPr lang="en-US" dirty="0" smtClean="0"/>
-              <a:t>+(</a:t>
-            </a:r>
-            <a:r>
-              <a:rPr lang="en-US" dirty="0" err="1" smtClean="0"/>
-              <a:t>German+Credit+Data</a:t>
-            </a:r>
-            <a:r>
-              <a:rPr lang="en-US" dirty="0" smtClean="0"/>
-              <a:t>)</a:t>
+              <a:t>http://archive.ics.uci.edu/ml/datasets/Statlog+(German+Credit+Data)</a:t>
             </a:r>
             <a:endParaRPr lang="en-US" dirty="0"/>
           </a:p>
@@ -1287,7 +1581,7 @@
     </p:spTree>
     <p:extLst>
       <p:ext uri="{BB962C8B-B14F-4D97-AF65-F5344CB8AC3E}">
-        <p14:creationId xmlns:p14="http://schemas.microsoft.com/office/powerpoint/2010/main" val="3863811070"/>
+        <p14:creationId xmlns:p14="http://schemas.microsoft.com/office/powerpoint/2010/main" val="2757444471"/>
       </p:ext>
     </p:extLst>
   </p:cSld>
@@ -1341,6 +1635,38 @@
           <a:bodyPr/>
           <a:lstStyle/>
           <a:p>
+            <a:r>
+              <a:rPr lang="en-US" smtClean="0"/>
+              <a:t>Dataset URL:</a:t>
+            </a:r>
+            <a:r>
+              <a:rPr lang="en-US" baseline="0" smtClean="0"/>
+              <a:t> </a:t>
+            </a:r>
+            <a:r>
+              <a:rPr lang="en-US" smtClean="0"/>
+              <a:t>http</a:t>
+            </a:r>
+            <a:r>
+              <a:rPr lang="en-US" dirty="0" smtClean="0"/>
+              <a:t>://archive.ics.uci.edu/ml/datasets/</a:t>
+            </a:r>
+            <a:r>
+              <a:rPr lang="en-US" dirty="0" err="1" smtClean="0"/>
+              <a:t>Statlog</a:t>
+            </a:r>
+            <a:r>
+              <a:rPr lang="en-US" dirty="0" smtClean="0"/>
+              <a:t>+(</a:t>
+            </a:r>
+            <a:r>
+              <a:rPr lang="en-US" dirty="0" err="1" smtClean="0"/>
+              <a:t>German+Credit+Data</a:t>
+            </a:r>
+            <a:r>
+              <a:rPr lang="en-US" dirty="0" smtClean="0"/>
+              <a:t>)</a:t>
+            </a:r>
             <a:endParaRPr lang="en-US" dirty="0"/>
           </a:p>
         </p:txBody>
@@ -1360,7 +1686,7 @@
           <a:bodyPr/>
           <a:lstStyle/>
           <a:p>
-            <a:fld id="{E8E0C7AF-2660-414A-86BE-5271509D8324}" type="slidenum">
+            <a:fld id="{F3B6C9A0-4BDD-4464-A945-E32AEE347D91}" type="slidenum">
               <a:rPr lang="en-US" smtClean="0"/>
               <a:t>12</a:t>
             </a:fld>
@@ -1371,7 +1697,7 @@
     </p:spTree>
     <p:extLst>
       <p:ext uri="{BB962C8B-B14F-4D97-AF65-F5344CB8AC3E}">
-        <p14:creationId xmlns:p14="http://schemas.microsoft.com/office/powerpoint/2010/main" val="2567434180"/>
+        <p14:creationId xmlns:p14="http://schemas.microsoft.com/office/powerpoint/2010/main" val="3863811070"/>
       </p:ext>
     </p:extLst>
   </p:cSld>
@@ -1425,38 +1751,6 @@
           <a:bodyPr/>
           <a:lstStyle/>
           <a:p>
-            <a:r>
-              <a:rPr lang="en-US" smtClean="0"/>
-              <a:t>Dataset URL:</a:t>
-            </a:r>
-            <a:r>
-              <a:rPr lang="en-US" baseline="0" smtClean="0"/>
-              <a:t> </a:t>
-            </a:r>
-            <a:r>
-              <a:rPr lang="en-US" smtClean="0"/>
-              <a:t>http</a:t>
-            </a:r>
-            <a:r>
-              <a:rPr lang="en-US" dirty="0" smtClean="0"/>
-              <a:t>://archive.ics.uci.edu/ml/datasets/</a:t>
-            </a:r>
-            <a:r>
-              <a:rPr lang="en-US" dirty="0" err="1" smtClean="0"/>
-              <a:t>Statlog</a:t>
-            </a:r>
-            <a:r>
-              <a:rPr lang="en-US" dirty="0" smtClean="0"/>
-              <a:t>+(</a:t>
-            </a:r>
-            <a:r>
-              <a:rPr lang="en-US" dirty="0" err="1" smtClean="0"/>
-              <a:t>German+Credit+Data</a:t>
-            </a:r>
-            <a:r>
-              <a:rPr lang="en-US" dirty="0" smtClean="0"/>
-              <a:t>)</a:t>
-            </a:r>
             <a:endParaRPr lang="en-US" dirty="0"/>
           </a:p>
         </p:txBody>
@@ -1476,7 +1770,7 @@
           <a:bodyPr/>
           <a:lstStyle/>
           <a:p>
-            <a:fld id="{F3B6C9A0-4BDD-4464-A945-E32AEE347D91}" type="slidenum">
+            <a:fld id="{E8E0C7AF-2660-414A-86BE-5271509D8324}" type="slidenum">
               <a:rPr lang="en-US" smtClean="0"/>
               <a:t>13</a:t>
             </a:fld>
@@ -1487,7 +1781,7 @@
     </p:spTree>
     <p:extLst>
       <p:ext uri="{BB962C8B-B14F-4D97-AF65-F5344CB8AC3E}">
-        <p14:creationId xmlns:p14="http://schemas.microsoft.com/office/powerpoint/2010/main" val="3178214602"/>
+        <p14:creationId xmlns:p14="http://schemas.microsoft.com/office/powerpoint/2010/main" val="2567434180"/>
       </p:ext>
     </p:extLst>
   </p:cSld>
@@ -1541,38 +1835,6 @@
           <a:bodyPr/>
           <a:lstStyle/>
           <a:p>
-            <a:r>
-              <a:rPr lang="en-US" smtClean="0"/>
-              <a:t>Dataset URL:</a:t>
-            </a:r>
-            <a:r>
-              <a:rPr lang="en-US" baseline="0" smtClean="0"/>
-              <a:t> </a:t>
-            </a:r>
-            <a:r>
-              <a:rPr lang="en-US" smtClean="0"/>
-              <a:t>http</a:t>
-            </a:r>
-            <a:r>
-              <a:rPr lang="en-US" dirty="0" smtClean="0"/>
-              <a:t>://archive.ics.uci.edu/ml/datasets/</a:t>
-            </a:r>
-            <a:r>
-              <a:rPr lang="en-US" dirty="0" err="1" smtClean="0"/>
-              <a:t>Statlog</a:t>
-            </a:r>
-            <a:r>
-              <a:rPr lang="en-US" dirty="0" smtClean="0"/>
-              <a:t>+(</a:t>
-            </a:r>
-            <a:r>
-              <a:rPr lang="en-US" dirty="0" err="1" smtClean="0"/>
-              <a:t>German+Credit+Data</a:t>
-            </a:r>
-            <a:r>
-              <a:rPr lang="en-US" dirty="0" smtClean="0"/>
-              <a:t>)</a:t>
-            </a:r>
             <a:endParaRPr lang="en-US" dirty="0"/>
           </a:p>
         </p:txBody>
@@ -1592,7 +1854,7 @@
           <a:bodyPr/>
           <a:lstStyle/>
           <a:p>
-            <a:fld id="{F3B6C9A0-4BDD-4464-A945-E32AEE347D91}" type="slidenum">
+            <a:fld id="{E8E0C7AF-2660-414A-86BE-5271509D8324}" type="slidenum">
               <a:rPr lang="en-US" smtClean="0"/>
               <a:t>14</a:t>
             </a:fld>
@@ -1603,7 +1865,7 @@
     </p:spTree>
     <p:extLst>
       <p:ext uri="{BB962C8B-B14F-4D97-AF65-F5344CB8AC3E}">
-        <p14:creationId xmlns:p14="http://schemas.microsoft.com/office/powerpoint/2010/main" val="1449527801"/>
+        <p14:creationId xmlns:p14="http://schemas.microsoft.com/office/powerpoint/2010/main" val="2567434180"/>
       </p:ext>
     </p:extLst>
   </p:cSld>
@@ -18811,7 +19073,7 @@
           <a:p>
             <a:fld id="{70D5C55E-1E1D-4EFE-8DF0-7DF6077102C2}" type="datetimeFigureOut">
               <a:rPr lang="en-US" smtClean="0"/>
-              <a:t>14/07/2015</a:t>
+              <a:t>4/18/16</a:t>
             </a:fld>
             <a:endParaRPr lang="en-US"/>
           </a:p>
@@ -19073,7 +19335,7 @@
           <a:p>
             <a:fld id="{70D5C55E-1E1D-4EFE-8DF0-7DF6077102C2}" type="datetimeFigureOut">
               <a:rPr lang="en-US" smtClean="0"/>
-              <a:t>14/07/2015</a:t>
+              <a:t>4/18/16</a:t>
             </a:fld>
             <a:endParaRPr lang="en-US"/>
           </a:p>
@@ -27651,7 +27913,7 @@
         <p:spPr bwMode="auto">
           <a:xfrm>
             <a:off x="283102" y="1206121"/>
-            <a:ext cx="6174847" cy="3299204"/>
+            <a:ext cx="10890051" cy="3299204"/>
           </a:xfrm>
           <a:prstGeom prst="rect">
             <a:avLst/>
@@ -27700,7 +27962,7 @@
                 <a:spcPct val="0"/>
               </a:spcAft>
             </a:pPr>
-            <a:endParaRPr lang="en-US" sz="2400" dirty="0" err="1" smtClean="0">
+            <a:endParaRPr lang="en-US" sz="2400" dirty="0" smtClean="0">
               <a:gradFill>
                 <a:gsLst>
                   <a:gs pos="0">
@@ -27730,8 +27992,8 @@
         </p:nvSpPr>
         <p:spPr>
           <a:xfrm>
-            <a:off x="269240" y="1206121"/>
-            <a:ext cx="6788785" cy="879910"/>
+            <a:off x="269240" y="1206120"/>
+            <a:ext cx="10855684" cy="1671305"/>
           </a:xfrm>
         </p:spPr>
         <p:txBody>
@@ -27740,7 +28002,7 @@
           <a:p>
             <a:r>
               <a:rPr lang="en-US" sz="5400" dirty="0" smtClean="0"/>
-              <a:t>Introduction to Azure Machine Learning</a:t>
+              <a:t>Machine Learning: Looking for the meaning of our data</a:t>
             </a:r>
             <a:endParaRPr lang="en-US" sz="5400" dirty="0"/>
           </a:p>
@@ -27758,8 +28020,8 @@
         </p:nvSpPr>
         <p:spPr>
           <a:xfrm>
-            <a:off x="283102" y="3438526"/>
-            <a:ext cx="6174847" cy="1036181"/>
+            <a:off x="4897008" y="3358151"/>
+            <a:ext cx="6174847" cy="1030645"/>
           </a:xfrm>
         </p:spPr>
         <p:txBody>
@@ -27775,19 +28037,19 @@
               <a:rPr lang="en-US" sz="2000" dirty="0" err="1" smtClean="0"/>
               <a:t>diegopoza</a:t>
             </a:r>
-            <a:endParaRPr lang="en-US" sz="2000" dirty="0"/>
+            <a:endParaRPr lang="en-US" sz="2000" dirty="0" smtClean="0"/>
           </a:p>
           <a:p>
             <a:pPr algn="r"/>
             <a:r>
               <a:rPr lang="en-US" sz="2000" dirty="0" smtClean="0"/>
-              <a:t>Mariano Vazquez @</a:t>
-            </a:r>
-            <a:r>
-              <a:rPr lang="en-US" sz="2000" dirty="0" err="1" smtClean="0"/>
-              <a:t>marianodvazquez</a:t>
-            </a:r>
-            <a:endParaRPr lang="en-US" sz="2000" dirty="0"/>
+              <a:t>Content Marketing @auth</a:t>
+            </a:r>
+            <a:r>
+              <a:rPr lang="en-US" sz="2000" dirty="0"/>
+              <a:t>0</a:t>
+            </a:r>
+            <a:endParaRPr lang="en-US" sz="2000" dirty="0" smtClean="0"/>
           </a:p>
         </p:txBody>
       </p:sp>
@@ -27822,8 +28084,8 @@
           </a:prstGeom>
           <a:noFill/>
           <a:extLst>
-            <a:ext uri="{909E8E84-426E-40DD-AFC4-6F175D3DCCD1}">
-              <a14:hiddenFill xmlns:a14="http://schemas.microsoft.com/office/drawing/2010/main">
+            <a:ext uri="{909E8E84-426E-40dd-AFC4-6F175D3DCCD1}">
+              <a14:hiddenFill xmlns="" xmlns:a14="http://schemas.microsoft.com/office/drawing/2010/main">
                 <a:solidFill>
                   <a:srgbClr val="FFFFFF"/>
                 </a:solidFill>
@@ -27832,69 +28094,6 @@
           </a:extLst>
         </p:spPr>
       </p:pic>
-      <p:grpSp>
-        <p:nvGrpSpPr>
-          <p:cNvPr id="14" name="Group 13"/>
-          <p:cNvGrpSpPr/>
-          <p:nvPr/>
-        </p:nvGrpSpPr>
-        <p:grpSpPr>
-          <a:xfrm>
-            <a:off x="7734299" y="5743575"/>
-            <a:ext cx="4381393" cy="928590"/>
-            <a:chOff x="7572374" y="5800725"/>
-            <a:chExt cx="4381393" cy="928590"/>
-          </a:xfrm>
-        </p:grpSpPr>
-        <p:pic>
-          <p:nvPicPr>
-            <p:cNvPr id="10" name="Picture 9"/>
-            <p:cNvPicPr>
-              <a:picLocks noChangeAspect="1"/>
-            </p:cNvPicPr>
-            <p:nvPr/>
-          </p:nvPicPr>
-          <p:blipFill>
-            <a:blip r:embed="rId3"/>
-            <a:stretch>
-              <a:fillRect/>
-            </a:stretch>
-          </p:blipFill>
-          <p:spPr>
-            <a:xfrm>
-              <a:off x="10928330" y="5800725"/>
-              <a:ext cx="1025437" cy="928590"/>
-            </a:xfrm>
-            <a:prstGeom prst="rect">
-              <a:avLst/>
-            </a:prstGeom>
-          </p:spPr>
-        </p:pic>
-        <p:pic>
-          <p:nvPicPr>
-            <p:cNvPr id="12" name="Picture 11"/>
-            <p:cNvPicPr>
-              <a:picLocks noChangeAspect="1"/>
-            </p:cNvPicPr>
-            <p:nvPr/>
-          </p:nvPicPr>
-          <p:blipFill>
-            <a:blip r:embed="rId4"/>
-            <a:stretch>
-              <a:fillRect/>
-            </a:stretch>
-          </p:blipFill>
-          <p:spPr>
-            <a:xfrm>
-              <a:off x="7572374" y="5999533"/>
-              <a:ext cx="3257177" cy="478690"/>
-            </a:xfrm>
-            <a:prstGeom prst="rect">
-              <a:avLst/>
-            </a:prstGeom>
-          </p:spPr>
-        </p:pic>
-      </p:grpSp>
     </p:spTree>
     <p:extLst>
       <p:ext uri="{BB962C8B-B14F-4D97-AF65-F5344CB8AC3E}">
@@ -27942,6 +28141,100 @@
       </p:grpSpPr>
       <p:sp>
         <p:nvSpPr>
+          <p:cNvPr id="4" name="Title 3"/>
+          <p:cNvSpPr>
+            <a:spLocks noGrp="1"/>
+          </p:cNvSpPr>
+          <p:nvPr>
+            <p:ph type="title"/>
+          </p:nvPr>
+        </p:nvSpPr>
+        <p:spPr/>
+        <p:txBody>
+          <a:bodyPr/>
+          <a:lstStyle/>
+          <a:p>
+            <a:r>
+              <a:rPr lang="en-US" dirty="0" smtClean="0"/>
+              <a:t>Demo</a:t>
+            </a:r>
+            <a:endParaRPr lang="en-US" dirty="0"/>
+          </a:p>
+        </p:txBody>
+      </p:sp>
+      <p:sp>
+        <p:nvSpPr>
+          <p:cNvPr id="5" name="Text Placeholder 4"/>
+          <p:cNvSpPr>
+            <a:spLocks noGrp="1"/>
+          </p:cNvSpPr>
+          <p:nvPr>
+            <p:ph type="body" sz="quarter" idx="12"/>
+          </p:nvPr>
+        </p:nvSpPr>
+        <p:spPr/>
+        <p:txBody>
+          <a:bodyPr/>
+          <a:lstStyle/>
+          <a:p>
+            <a:r>
+              <a:rPr lang="en-US" dirty="0" smtClean="0"/>
+              <a:t>Creating a Machine Learning Web Service</a:t>
+            </a:r>
+          </a:p>
+        </p:txBody>
+      </p:sp>
+    </p:spTree>
+    <p:extLst>
+      <p:ext uri="{BB962C8B-B14F-4D97-AF65-F5344CB8AC3E}">
+        <p14:creationId xmlns:p14="http://schemas.microsoft.com/office/powerpoint/2010/main" val="2739038826"/>
+      </p:ext>
+    </p:extLst>
+  </p:cSld>
+  <p:clrMapOvr>
+    <a:masterClrMapping/>
+  </p:clrMapOvr>
+  <mc:AlternateContent xmlns:mc="http://schemas.openxmlformats.org/markup-compatibility/2006" xmlns:p14="http://schemas.microsoft.com/office/powerpoint/2010/main">
+    <mc:Choice Requires="p14">
+      <p:transition spd="slow" p14:dur="3400">
+        <p14:reveal/>
+      </p:transition>
+    </mc:Choice>
+    <mc:Fallback xmlns="">
+      <p:transition spd="slow">
+        <p:fade/>
+      </p:transition>
+    </mc:Fallback>
+  </mc:AlternateContent>
+  <p:timing>
+    <p:tnLst>
+      <p:par>
+        <p:cTn id="1" dur="indefinite" restart="never" nodeType="tmRoot"/>
+      </p:par>
+    </p:tnLst>
+  </p:timing>
+</p:sld>
+</file>
+
+<file path=ppt/slides/slide11.xml><?xml version="1.0" encoding="utf-8"?>
+<p:sld xmlns:a="http://schemas.openxmlformats.org/drawingml/2006/main" xmlns:r="http://schemas.openxmlformats.org/officeDocument/2006/relationships" xmlns:p="http://schemas.openxmlformats.org/presentationml/2006/main">
+  <p:cSld>
+    <p:spTree>
+      <p:nvGrpSpPr>
+        <p:cNvPr id="1" name=""/>
+        <p:cNvGrpSpPr/>
+        <p:nvPr/>
+      </p:nvGrpSpPr>
+      <p:grpSpPr>
+        <a:xfrm>
+          <a:off x="0" y="0"/>
+          <a:ext cx="0" cy="0"/>
+          <a:chOff x="0" y="0"/>
+          <a:chExt cx="0" cy="0"/>
+        </a:xfrm>
+      </p:grpSpPr>
+      <p:sp>
+        <p:nvSpPr>
           <p:cNvPr id="3" name="Content Placeholder 2"/>
           <p:cNvSpPr>
             <a:spLocks noGrp="1"/>
@@ -28087,7 +28380,7 @@
 </p:sld>
 </file>
 
-<file path=ppt/slides/slide11.xml><?xml version="1.0" encoding="utf-8"?>
+<file path=ppt/slides/slide12.xml><?xml version="1.0" encoding="utf-8"?>
 <p:sld xmlns:a="http://schemas.openxmlformats.org/drawingml/2006/main" xmlns:r="http://schemas.openxmlformats.org/officeDocument/2006/relationships" xmlns:p="http://schemas.openxmlformats.org/presentationml/2006/main">
   <p:cSld>
     <p:spTree>
@@ -31082,8 +31375,8 @@
           </a:prstGeom>
           <a:noFill/>
           <a:extLst>
-            <a:ext uri="{909E8E84-426E-40DD-AFC4-6F175D3DCCD1}">
-              <a14:hiddenFill xmlns:a14="http://schemas.microsoft.com/office/drawing/2010/main">
+            <a:ext uri="{909E8E84-426E-40dd-AFC4-6F175D3DCCD1}">
+              <a14:hiddenFill xmlns="" xmlns:a14="http://schemas.microsoft.com/office/drawing/2010/main">
                 <a:solidFill>
                   <a:srgbClr val="FFFFFF"/>
                 </a:solidFill>
@@ -31120,7 +31413,7 @@
 </p:sld>
 </file>
 
-<file path=ppt/slides/slide12.xml><?xml version="1.0" encoding="utf-8"?>
+<file path=ppt/slides/slide13.xml><?xml version="1.0" encoding="utf-8"?>
 <p:sld xmlns:a="http://schemas.openxmlformats.org/drawingml/2006/main" xmlns:r="http://schemas.openxmlformats.org/officeDocument/2006/relationships" xmlns:p="http://schemas.openxmlformats.org/presentationml/2006/main">
   <p:cSld>
     <p:spTree>
@@ -31205,8 +31498,8 @@
 </p:sld>
 </file>
 
-<file path=ppt/slides/slide13.xml><?xml version="1.0" encoding="utf-8"?>
-<p:sld xmlns:a="http://schemas.openxmlformats.org/drawingml/2006/main" xmlns:r="http://schemas.openxmlformats.org/officeDocument/2006/relationships" xmlns:p="http://schemas.openxmlformats.org/presentationml/2006/main" show="0">
+<file path=ppt/slides/slide14.xml><?xml version="1.0" encoding="utf-8"?>
+<p:sld xmlns:a="http://schemas.openxmlformats.org/drawingml/2006/main" xmlns:r="http://schemas.openxmlformats.org/officeDocument/2006/relationships" xmlns:p="http://schemas.openxmlformats.org/presentationml/2006/main">
   <p:cSld>
     <p:spTree>
       <p:nvGrpSpPr>
@@ -31224,65 +31517,6 @@
       </p:grpSpPr>
       <p:sp>
         <p:nvSpPr>
-          <p:cNvPr id="3" name="Content Placeholder 2"/>
-          <p:cNvSpPr>
-            <a:spLocks noGrp="1"/>
-          </p:cNvSpPr>
-          <p:nvPr>
-            <p:ph type="body" sz="quarter" idx="10"/>
-          </p:nvPr>
-        </p:nvSpPr>
-        <p:spPr>
-          <a:xfrm>
-            <a:off x="838200" y="1825625"/>
-            <a:ext cx="10515600" cy="4351338"/>
-          </a:xfrm>
-          <a:prstGeom prst="rect">
-            <a:avLst/>
-          </a:prstGeom>
-        </p:spPr>
-        <p:txBody>
-          <a:bodyPr/>
-          <a:lstStyle/>
-          <a:p>
-            <a:r>
-              <a:rPr lang="en-US" dirty="0" smtClean="0"/>
-              <a:t>Steps for creating an experiment</a:t>
-            </a:r>
-          </a:p>
-          <a:p>
-            <a:pPr lvl="1"/>
-            <a:r>
-              <a:rPr lang="en-US" dirty="0" smtClean="0"/>
-              <a:t>Getting the Data</a:t>
-            </a:r>
-          </a:p>
-          <a:p>
-            <a:pPr lvl="1"/>
-            <a:r>
-              <a:rPr lang="en-US" dirty="0" smtClean="0"/>
-              <a:t>Pre-processing the data</a:t>
-            </a:r>
-          </a:p>
-          <a:p>
-            <a:pPr lvl="1"/>
-            <a:r>
-              <a:rPr lang="en-US" dirty="0" smtClean="0"/>
-              <a:t>Defining Features</a:t>
-            </a:r>
-          </a:p>
-          <a:p>
-            <a:pPr lvl="1"/>
-            <a:r>
-              <a:rPr lang="en-US" dirty="0" smtClean="0"/>
-              <a:t>Training the model</a:t>
-            </a:r>
-            <a:endParaRPr lang="en-US" dirty="0"/>
-          </a:p>
-        </p:txBody>
-      </p:sp>
-      <p:sp>
-        <p:nvSpPr>
           <p:cNvPr id="2" name="Title 1"/>
           <p:cNvSpPr>
             <a:spLocks noGrp="1"/>
@@ -31291,163 +31525,61 @@
             <p:ph type="title"/>
           </p:nvPr>
         </p:nvSpPr>
-        <p:spPr/>
+        <p:spPr>
+          <a:xfrm>
+            <a:off x="0" y="1186356"/>
+            <a:ext cx="12192000" cy="2697988"/>
+          </a:xfrm>
+        </p:spPr>
         <p:txBody>
           <a:bodyPr/>
           <a:lstStyle/>
           <a:p>
-            <a:r>
-              <a:rPr lang="en-US" dirty="0" smtClean="0">
-                <a:solidFill>
-                  <a:srgbClr val="68217A"/>
-                </a:solidFill>
-              </a:rPr>
-              <a:t>Predictive Experiment</a:t>
-            </a:r>
-            <a:endParaRPr lang="en-US" dirty="0">
-              <a:solidFill>
-                <a:srgbClr val="68217A"/>
-              </a:solidFill>
-            </a:endParaRPr>
+            <a:pPr algn="ctr"/>
+            <a:r>
+              <a:rPr lang="en-US" sz="8000" dirty="0" smtClean="0"/>
+              <a:t/>
+            </a:r>
+            <a:br>
+              <a:rPr lang="en-US" sz="8000" dirty="0" smtClean="0"/>
+            </a:br>
+            <a:r>
+              <a:rPr lang="en-US" sz="8000" dirty="0" smtClean="0"/>
+              <a:t>Twitter Sentiment Analysis</a:t>
+            </a:r>
+            <a:br>
+              <a:rPr lang="en-US" sz="8000" dirty="0" smtClean="0"/>
+            </a:br>
+            <a:r>
+              <a:rPr lang="en-US" sz="4400" dirty="0"/>
+              <a:t/>
+            </a:r>
+            <a:br>
+              <a:rPr lang="en-US" sz="4400" dirty="0"/>
+            </a:br>
+            <a:r>
+              <a:rPr lang="en-US" sz="4400" dirty="0"/>
+              <a:t>http</a:t>
+            </a:r>
+            <a:r>
+              <a:rPr lang="en-US" sz="4400" dirty="0" smtClean="0"/>
+              <a:t>://</a:t>
+            </a:r>
+            <a:r>
+              <a:rPr lang="en-US" sz="4400" dirty="0" err="1" smtClean="0"/>
+              <a:t>smartddc.azurewebsites.net</a:t>
+            </a:r>
+            <a:r>
+              <a:rPr lang="en-US" sz="4400" dirty="0"/>
+              <a:t>/</a:t>
+            </a:r>
           </a:p>
         </p:txBody>
       </p:sp>
     </p:spTree>
     <p:extLst>
       <p:ext uri="{BB962C8B-B14F-4D97-AF65-F5344CB8AC3E}">
-        <p14:creationId xmlns:p14="http://schemas.microsoft.com/office/powerpoint/2010/main" val="946577167"/>
-      </p:ext>
-    </p:extLst>
-  </p:cSld>
-  <p:clrMapOvr>
-    <a:masterClrMapping/>
-  </p:clrMapOvr>
-  <mc:AlternateContent xmlns:mc="http://schemas.openxmlformats.org/markup-compatibility/2006" xmlns:p14="http://schemas.microsoft.com/office/powerpoint/2010/main">
-    <mc:Choice Requires="p14">
-      <p:transition p14:dur="0"/>
-    </mc:Choice>
-    <mc:Fallback xmlns="">
-      <p:transition/>
-    </mc:Fallback>
-  </mc:AlternateContent>
-  <p:timing>
-    <p:tnLst>
-      <p:par>
-        <p:cTn id="1" dur="indefinite" restart="never" nodeType="tmRoot"/>
-      </p:par>
-    </p:tnLst>
-  </p:timing>
-</p:sld>
-</file>
-
-<file path=ppt/slides/slide14.xml><?xml version="1.0" encoding="utf-8"?>
-<p:sld xmlns:a="http://schemas.openxmlformats.org/drawingml/2006/main" xmlns:r="http://schemas.openxmlformats.org/officeDocument/2006/relationships" xmlns:p="http://schemas.openxmlformats.org/presentationml/2006/main" show="0">
-  <p:cSld>
-    <p:spTree>
-      <p:nvGrpSpPr>
-        <p:cNvPr id="1" name=""/>
-        <p:cNvGrpSpPr/>
-        <p:nvPr/>
-      </p:nvGrpSpPr>
-      <p:grpSpPr>
-        <a:xfrm>
-          <a:off x="0" y="0"/>
-          <a:ext cx="0" cy="0"/>
-          <a:chOff x="0" y="0"/>
-          <a:chExt cx="0" cy="0"/>
-        </a:xfrm>
-      </p:grpSpPr>
-      <p:sp>
-        <p:nvSpPr>
-          <p:cNvPr id="3" name="Content Placeholder 2"/>
-          <p:cNvSpPr>
-            <a:spLocks noGrp="1"/>
-          </p:cNvSpPr>
-          <p:nvPr>
-            <p:ph type="body" sz="quarter" idx="10"/>
-          </p:nvPr>
-        </p:nvSpPr>
-        <p:spPr>
-          <a:xfrm>
-            <a:off x="838200" y="1825625"/>
-            <a:ext cx="10515600" cy="4351338"/>
-          </a:xfrm>
-          <a:prstGeom prst="rect">
-            <a:avLst/>
-          </a:prstGeom>
-        </p:spPr>
-        <p:txBody>
-          <a:bodyPr/>
-          <a:lstStyle/>
-          <a:p>
-            <a:r>
-              <a:rPr lang="en-US" dirty="0" smtClean="0"/>
-              <a:t>Upload your own Dataset from a file</a:t>
-            </a:r>
-          </a:p>
-          <a:p>
-            <a:pPr lvl="1"/>
-            <a:r>
-              <a:rPr lang="en-US" dirty="0" smtClean="0"/>
-              <a:t>CSV, TSV, plain text, etc.</a:t>
-            </a:r>
-          </a:p>
-          <a:p>
-            <a:r>
-              <a:rPr lang="en-US" dirty="0" smtClean="0"/>
-              <a:t>Read existing dataset</a:t>
-            </a:r>
-          </a:p>
-          <a:p>
-            <a:pPr lvl="1"/>
-            <a:r>
-              <a:rPr lang="en-US" dirty="0" smtClean="0"/>
-              <a:t>Via HTTP, Azure SQL, Azure Table, Azure Blob, HIVE Query</a:t>
-            </a:r>
-          </a:p>
-          <a:p>
-            <a:r>
-              <a:rPr lang="en-US" dirty="0" smtClean="0"/>
-              <a:t>Several Sample Datasets</a:t>
-            </a:r>
-          </a:p>
-        </p:txBody>
-      </p:sp>
-      <p:sp>
-        <p:nvSpPr>
-          <p:cNvPr id="2" name="Title 1"/>
-          <p:cNvSpPr>
-            <a:spLocks noGrp="1"/>
-          </p:cNvSpPr>
-          <p:nvPr>
-            <p:ph type="title"/>
-          </p:nvPr>
-        </p:nvSpPr>
-        <p:spPr/>
-        <p:txBody>
-          <a:bodyPr/>
-          <a:lstStyle/>
-          <a:p>
-            <a:r>
-              <a:rPr lang="en-US" sz="4800" dirty="0" smtClean="0">
-                <a:solidFill>
-                  <a:srgbClr val="9B4F96"/>
-                </a:solidFill>
-              </a:rPr>
-              <a:t>Getting the data</a:t>
-            </a:r>
-            <a:endParaRPr lang="en-US" sz="4800" dirty="0">
-              <a:solidFill>
-                <a:srgbClr val="9B4F96"/>
-              </a:solidFill>
-            </a:endParaRPr>
-          </a:p>
-        </p:txBody>
-      </p:sp>
-    </p:spTree>
-    <p:extLst>
-      <p:ext uri="{BB962C8B-B14F-4D97-AF65-F5344CB8AC3E}">
-        <p14:creationId xmlns:p14="http://schemas.microsoft.com/office/powerpoint/2010/main" val="2801991653"/>
+        <p14:creationId xmlns:p14="http://schemas.microsoft.com/office/powerpoint/2010/main" val="1269670351"/>
       </p:ext>
     </p:extLst>
   </p:cSld>
@@ -31473,7 +31605,7 @@
 </file>
 
 <file path=ppt/slides/slide15.xml><?xml version="1.0" encoding="utf-8"?>
-<p:sld xmlns:a="http://schemas.openxmlformats.org/drawingml/2006/main" xmlns:r="http://schemas.openxmlformats.org/officeDocument/2006/relationships" xmlns:p="http://schemas.openxmlformats.org/presentationml/2006/main" show="0">
+<p:sld xmlns:a="http://schemas.openxmlformats.org/drawingml/2006/main" xmlns:r="http://schemas.openxmlformats.org/officeDocument/2006/relationships" xmlns:p="http://schemas.openxmlformats.org/presentationml/2006/main">
   <p:cSld>
     <p:spTree>
       <p:nvGrpSpPr>
@@ -31491,65 +31623,6 @@
       </p:grpSpPr>
       <p:sp>
         <p:nvSpPr>
-          <p:cNvPr id="3" name="Content Placeholder 2"/>
-          <p:cNvSpPr>
-            <a:spLocks noGrp="1"/>
-          </p:cNvSpPr>
-          <p:nvPr>
-            <p:ph type="body" sz="quarter" idx="10"/>
-          </p:nvPr>
-        </p:nvSpPr>
-        <p:spPr>
-          <a:xfrm>
-            <a:off x="838200" y="1825625"/>
-            <a:ext cx="10515600" cy="4351338"/>
-          </a:xfrm>
-          <a:prstGeom prst="rect">
-            <a:avLst/>
-          </a:prstGeom>
-        </p:spPr>
-        <p:txBody>
-          <a:bodyPr/>
-          <a:lstStyle/>
-          <a:p>
-            <a:r>
-              <a:rPr lang="en-US" dirty="0" smtClean="0"/>
-              <a:t>Pre-processing Modules</a:t>
-            </a:r>
-          </a:p>
-          <a:p>
-            <a:pPr lvl="1"/>
-            <a:r>
-              <a:rPr lang="en-US" dirty="0" smtClean="0"/>
-              <a:t>Project Columns</a:t>
-            </a:r>
-          </a:p>
-          <a:p>
-            <a:pPr lvl="1"/>
-            <a:r>
-              <a:rPr lang="en-US" dirty="0" smtClean="0"/>
-              <a:t>Clean Missing Data</a:t>
-            </a:r>
-          </a:p>
-          <a:p>
-            <a:pPr lvl="1"/>
-            <a:r>
-              <a:rPr lang="en-US" dirty="0" smtClean="0"/>
-              <a:t>Normalize Data</a:t>
-            </a:r>
-          </a:p>
-          <a:p>
-            <a:pPr lvl="1"/>
-            <a:r>
-              <a:rPr lang="en-US" dirty="0" smtClean="0"/>
-              <a:t>Metadata Editor</a:t>
-            </a:r>
-            <a:endParaRPr lang="en-US" dirty="0"/>
-          </a:p>
-        </p:txBody>
-      </p:sp>
-      <p:sp>
-        <p:nvSpPr>
           <p:cNvPr id="2" name="Title 1"/>
           <p:cNvSpPr>
             <a:spLocks noGrp="1"/>
@@ -31558,31 +31631,119 @@
             <p:ph type="title"/>
           </p:nvPr>
         </p:nvSpPr>
-        <p:spPr/>
+        <p:spPr>
+          <a:xfrm>
+            <a:off x="0" y="1186356"/>
+            <a:ext cx="12192000" cy="2697988"/>
+          </a:xfrm>
+        </p:spPr>
         <p:txBody>
           <a:bodyPr/>
           <a:lstStyle/>
           <a:p>
-            <a:r>
-              <a:rPr lang="en-US" sz="4800" dirty="0" smtClean="0">
-                <a:solidFill>
-                  <a:srgbClr val="9B4F96"/>
-                </a:solidFill>
-              </a:rPr>
-              <a:t>Pre-processing Data</a:t>
-            </a:r>
-            <a:endParaRPr lang="en-US" sz="4800" dirty="0">
-              <a:solidFill>
-                <a:srgbClr val="9B4F96"/>
-              </a:solidFill>
-            </a:endParaRPr>
+            <a:pPr algn="ctr"/>
+            <a:r>
+              <a:rPr lang="de-DE" sz="8000" dirty="0" smtClean="0"/>
+              <a:t>Vielen Dank</a:t>
+            </a:r>
+            <a:r>
+              <a:rPr lang="de-DE" sz="8000" dirty="0" smtClean="0"/>
+              <a:t>!</a:t>
+            </a:r>
+            <a:br>
+              <a:rPr lang="de-DE" sz="8000" dirty="0" smtClean="0"/>
+            </a:br>
+            <a:r>
+              <a:rPr lang="de-DE" sz="8000" dirty="0"/>
+              <a:t/>
+            </a:r>
+            <a:br>
+              <a:rPr lang="de-DE" sz="8000" dirty="0"/>
+            </a:br>
+            <a:r>
+              <a:rPr lang="de-DE" sz="4000" dirty="0" err="1" smtClean="0"/>
+              <a:t>You</a:t>
+            </a:r>
+            <a:r>
+              <a:rPr lang="de-DE" sz="4000" dirty="0" smtClean="0"/>
+              <a:t> </a:t>
+            </a:r>
+            <a:r>
+              <a:rPr lang="de-DE" sz="4000" dirty="0" err="1" smtClean="0"/>
+              <a:t>can</a:t>
+            </a:r>
+            <a:r>
+              <a:rPr lang="de-DE" sz="4000" dirty="0" smtClean="0"/>
+              <a:t> find </a:t>
+            </a:r>
+            <a:r>
+              <a:rPr lang="de-DE" sz="4000" dirty="0" err="1" smtClean="0"/>
+              <a:t>samples</a:t>
+            </a:r>
+            <a:r>
+              <a:rPr lang="de-DE" sz="4000" dirty="0" smtClean="0"/>
+              <a:t> </a:t>
+            </a:r>
+            <a:r>
+              <a:rPr lang="de-DE" sz="4000" dirty="0" err="1" smtClean="0"/>
+              <a:t>shown</a:t>
+            </a:r>
+            <a:r>
+              <a:rPr lang="de-DE" sz="4000" dirty="0" smtClean="0"/>
+              <a:t> in </a:t>
+            </a:r>
+            <a:r>
+              <a:rPr lang="de-DE" sz="4000" dirty="0" err="1" smtClean="0"/>
+              <a:t>the</a:t>
+            </a:r>
+            <a:r>
+              <a:rPr lang="de-DE" sz="4000" dirty="0" smtClean="0"/>
+              <a:t> </a:t>
+            </a:r>
+            <a:r>
+              <a:rPr lang="de-DE" sz="4000" dirty="0" err="1" smtClean="0"/>
+              <a:t>presentation</a:t>
+            </a:r>
+            <a:r>
+              <a:rPr lang="de-DE" sz="4000" dirty="0"/>
+              <a:t> </a:t>
+            </a:r>
+            <a:r>
+              <a:rPr lang="de-DE" sz="4000" dirty="0" err="1"/>
+              <a:t>here</a:t>
+            </a:r>
+            <a:r>
+              <a:rPr lang="de-DE" sz="4000" dirty="0"/>
+              <a:t>: https://</a:t>
+            </a:r>
+            <a:r>
+              <a:rPr lang="de-DE" sz="4000" dirty="0" err="1"/>
+              <a:t>github.com</a:t>
+            </a:r>
+            <a:r>
+              <a:rPr lang="de-DE" sz="4000" dirty="0"/>
+              <a:t>/</a:t>
+            </a:r>
+            <a:r>
+              <a:rPr lang="de-DE" sz="4000" dirty="0" err="1"/>
+              <a:t>diegopoza</a:t>
+            </a:r>
+            <a:r>
+              <a:rPr lang="de-DE" sz="4000" dirty="0"/>
+              <a:t>/</a:t>
+            </a:r>
+            <a:r>
+              <a:rPr lang="de-DE" sz="4000" dirty="0" err="1"/>
+              <a:t>MachineLearning</a:t>
+            </a:r>
+            <a:endParaRPr lang="de-DE" sz="4000" dirty="0"/>
           </a:p>
         </p:txBody>
       </p:sp>
     </p:spTree>
     <p:extLst>
       <p:ext uri="{BB962C8B-B14F-4D97-AF65-F5344CB8AC3E}">
-        <p14:creationId xmlns:p14="http://schemas.microsoft.com/office/powerpoint/2010/main" val="1571755860"/>
+        <p14:creationId xmlns:p14="http://schemas.microsoft.com/office/powerpoint/2010/main" val="1026728423"/>
       </p:ext>
     </p:extLst>
   </p:cSld>
@@ -31649,13 +31810,35 @@
           <a:p>
             <a:r>
               <a:rPr lang="en-US" dirty="0" smtClean="0"/>
-              <a:t>A feature is a property of an entity.</a:t>
-            </a:r>
-          </a:p>
-          <a:p>
+              <a:t>Steps for creating an experiment</a:t>
+            </a:r>
+          </a:p>
+          <a:p>
+            <a:pPr lvl="1"/>
             <a:r>
               <a:rPr lang="en-US" dirty="0" smtClean="0"/>
-              <a:t>Choose a subset of features that are relevant to the scenario.</a:t>
+              <a:t>Getting the Data</a:t>
+            </a:r>
+          </a:p>
+          <a:p>
+            <a:pPr lvl="1"/>
+            <a:r>
+              <a:rPr lang="en-US" dirty="0" smtClean="0"/>
+              <a:t>Pre-processing the data</a:t>
+            </a:r>
+          </a:p>
+          <a:p>
+            <a:pPr lvl="1"/>
+            <a:r>
+              <a:rPr lang="en-US" dirty="0" smtClean="0"/>
+              <a:t>Defining Features</a:t>
+            </a:r>
+          </a:p>
+          <a:p>
+            <a:pPr lvl="1"/>
+            <a:r>
+              <a:rPr lang="en-US" dirty="0" smtClean="0"/>
+              <a:t>Training the model</a:t>
             </a:r>
             <a:endParaRPr lang="en-US" dirty="0"/>
           </a:p>
@@ -31677,16 +31860,16 @@
           <a:lstStyle/>
           <a:p>
             <a:r>
-              <a:rPr lang="en-US" sz="4800" dirty="0" smtClean="0">
+              <a:rPr lang="en-US" dirty="0" smtClean="0">
                 <a:solidFill>
-                  <a:srgbClr val="9B4F96"/>
+                  <a:srgbClr val="68217A"/>
                 </a:solidFill>
               </a:rPr>
-              <a:t>Defining Features</a:t>
-            </a:r>
-            <a:endParaRPr lang="en-US" sz="4800" dirty="0">
+              <a:t>Predictive Experiment</a:t>
+            </a:r>
+            <a:endParaRPr lang="en-US" dirty="0">
               <a:solidFill>
-                <a:srgbClr val="9B4F96"/>
+                <a:srgbClr val="68217A"/>
               </a:solidFill>
             </a:endParaRPr>
           </a:p>
@@ -31695,18 +31878,18 @@
     </p:spTree>
     <p:extLst>
       <p:ext uri="{BB962C8B-B14F-4D97-AF65-F5344CB8AC3E}">
-        <p14:creationId xmlns:p14="http://schemas.microsoft.com/office/powerpoint/2010/main" val="8418475"/>
+        <p14:creationId xmlns:p14="http://schemas.microsoft.com/office/powerpoint/2010/main" val="946577167"/>
       </p:ext>
     </p:extLst>
   </p:cSld>
   <p:clrMapOvr>
     <a:masterClrMapping/>
   </p:clrMapOvr>
-  <mc:AlternateContent xmlns:mc="http://schemas.openxmlformats.org/markup-compatibility/2006" xmlns:p14="http://schemas.microsoft.com/office/powerpoint/2010/main">
-    <mc:Choice Requires="p14">
+  <mc:AlternateContent xmlns:mc="http://schemas.openxmlformats.org/markup-compatibility/2006">
+    <mc:Choice xmlns:p14="http://schemas.microsoft.com/office/powerpoint/2010/main" Requires="p14">
       <p:transition p14:dur="0"/>
     </mc:Choice>
-    <mc:Fallback xmlns="">
+    <mc:Fallback>
       <p:transition/>
     </mc:Fallback>
   </mc:AlternateContent>
@@ -31762,29 +31945,34 @@
           <a:p>
             <a:r>
               <a:rPr lang="en-US" dirty="0" smtClean="0"/>
-              <a:t>Choose the prediction algorithm.</a:t>
-            </a:r>
-          </a:p>
-          <a:p>
+              <a:t>Upload your own Dataset from a file</a:t>
+            </a:r>
+          </a:p>
+          <a:p>
+            <a:pPr lvl="1"/>
             <a:r>
               <a:rPr lang="en-US" dirty="0" smtClean="0"/>
-              <a:t>The two most important algorithm types are classification and regression.</a:t>
+              <a:t>CSV, TSV, plain text, etc.</a:t>
+            </a:r>
+          </a:p>
+          <a:p>
+            <a:r>
+              <a:rPr lang="en-US" dirty="0" smtClean="0"/>
+              <a:t>Read existing dataset</a:t>
             </a:r>
           </a:p>
           <a:p>
             <a:pPr lvl="1"/>
             <a:r>
               <a:rPr lang="en-US" dirty="0" smtClean="0"/>
-              <a:t>Classification is for predicting discrete values (E.g. Which candidate will a person vote for?)</a:t>
-            </a:r>
-          </a:p>
-          <a:p>
-            <a:pPr lvl="1"/>
+              <a:t>Via HTTP, Azure SQL, Azure Table, Azure Blob, HIVE Query</a:t>
+            </a:r>
+          </a:p>
+          <a:p>
             <a:r>
               <a:rPr lang="en-US" dirty="0" smtClean="0"/>
-              <a:t>Regression is for prediction continuous values (E.g. Cost of a car)</a:t>
-            </a:r>
-            <a:endParaRPr lang="en-US" dirty="0"/>
+              <a:t>Several Sample Datasets</a:t>
+            </a:r>
           </a:p>
         </p:txBody>
       </p:sp>
@@ -31809,7 +31997,7 @@
                   <a:srgbClr val="9B4F96"/>
                 </a:solidFill>
               </a:rPr>
-              <a:t>Training the Model</a:t>
+              <a:t>Getting the data</a:t>
             </a:r>
             <a:endParaRPr lang="en-US" sz="4800" dirty="0">
               <a:solidFill>
@@ -31822,18 +32010,18 @@
     </p:spTree>
     <p:extLst>
       <p:ext uri="{BB962C8B-B14F-4D97-AF65-F5344CB8AC3E}">
-        <p14:creationId xmlns:p14="http://schemas.microsoft.com/office/powerpoint/2010/main" val="2553968311"/>
+        <p14:creationId xmlns:p14="http://schemas.microsoft.com/office/powerpoint/2010/main" val="2801991653"/>
       </p:ext>
     </p:extLst>
   </p:cSld>
   <p:clrMapOvr>
     <a:masterClrMapping/>
   </p:clrMapOvr>
-  <mc:AlternateContent xmlns:mc="http://schemas.openxmlformats.org/markup-compatibility/2006" xmlns:p14="http://schemas.microsoft.com/office/powerpoint/2010/main">
-    <mc:Choice Requires="p14">
+  <mc:AlternateContent xmlns:mc="http://schemas.openxmlformats.org/markup-compatibility/2006">
+    <mc:Choice xmlns:p14="http://schemas.microsoft.com/office/powerpoint/2010/main" Requires="p14">
       <p:transition p14:dur="0"/>
     </mc:Choice>
-    <mc:Fallback xmlns="">
+    <mc:Fallback>
       <p:transition/>
     </mc:Fallback>
   </mc:AlternateContent>
@@ -31889,17 +32077,37 @@
           <a:p>
             <a:r>
               <a:rPr lang="en-US" dirty="0" smtClean="0"/>
-              <a:t>Once the model is trained, you can create a scoring experiment</a:t>
-            </a:r>
-          </a:p>
-          <a:p>
+              <a:t>Pre-processing Modules</a:t>
+            </a:r>
+          </a:p>
+          <a:p>
+            <a:pPr lvl="1"/>
             <a:r>
               <a:rPr lang="en-US" dirty="0" smtClean="0"/>
-              <a:t>Elements only used for training are removed</a:t>
-            </a:r>
-          </a:p>
-          <a:p>
-            <a:endParaRPr lang="en-US" dirty="0" smtClean="0"/>
+              <a:t>Project Columns</a:t>
+            </a:r>
+          </a:p>
+          <a:p>
+            <a:pPr lvl="1"/>
+            <a:r>
+              <a:rPr lang="en-US" dirty="0" smtClean="0"/>
+              <a:t>Clean Missing Data</a:t>
+            </a:r>
+          </a:p>
+          <a:p>
+            <a:pPr lvl="1"/>
+            <a:r>
+              <a:rPr lang="en-US" dirty="0" smtClean="0"/>
+              <a:t>Normalize Data</a:t>
+            </a:r>
+          </a:p>
+          <a:p>
+            <a:pPr lvl="1"/>
+            <a:r>
+              <a:rPr lang="en-US" dirty="0" smtClean="0"/>
+              <a:t>Metadata Editor</a:t>
+            </a:r>
+            <a:endParaRPr lang="en-US" dirty="0"/>
           </a:p>
         </p:txBody>
       </p:sp>
@@ -31919,16 +32127,16 @@
           <a:lstStyle/>
           <a:p>
             <a:r>
-              <a:rPr lang="en-US" dirty="0" smtClean="0">
+              <a:rPr lang="en-US" sz="4800" dirty="0" smtClean="0">
                 <a:solidFill>
-                  <a:srgbClr val="68217A"/>
+                  <a:srgbClr val="9B4F96"/>
                 </a:solidFill>
               </a:rPr>
-              <a:t>Creating a Scoring Experiment</a:t>
-            </a:r>
-            <a:endParaRPr lang="en-US" dirty="0">
+              <a:t>Pre-processing Data</a:t>
+            </a:r>
+            <a:endParaRPr lang="en-US" sz="4800" dirty="0">
               <a:solidFill>
-                <a:srgbClr val="68217A"/>
+                <a:srgbClr val="9B4F96"/>
               </a:solidFill>
             </a:endParaRPr>
           </a:p>
@@ -31937,18 +32145,18 @@
     </p:spTree>
     <p:extLst>
       <p:ext uri="{BB962C8B-B14F-4D97-AF65-F5344CB8AC3E}">
-        <p14:creationId xmlns:p14="http://schemas.microsoft.com/office/powerpoint/2010/main" val="2771427126"/>
+        <p14:creationId xmlns:p14="http://schemas.microsoft.com/office/powerpoint/2010/main" val="1571755860"/>
       </p:ext>
     </p:extLst>
   </p:cSld>
   <p:clrMapOvr>
     <a:masterClrMapping/>
   </p:clrMapOvr>
-  <mc:AlternateContent xmlns:mc="http://schemas.openxmlformats.org/markup-compatibility/2006" xmlns:p14="http://schemas.microsoft.com/office/powerpoint/2010/main">
-    <mc:Choice Requires="p14">
+  <mc:AlternateContent xmlns:mc="http://schemas.openxmlformats.org/markup-compatibility/2006">
+    <mc:Choice xmlns:p14="http://schemas.microsoft.com/office/powerpoint/2010/main" Requires="p14">
       <p:transition p14:dur="0"/>
     </mc:Choice>
-    <mc:Fallback xmlns="">
+    <mc:Fallback>
       <p:transition/>
     </mc:Fallback>
   </mc:AlternateContent>
@@ -32003,20 +32211,14 @@
           <a:lstStyle/>
           <a:p>
             <a:r>
-              <a:rPr lang="en-US" dirty="0"/>
-              <a:t>A user will be able to send a set of credit application data to the service, and the service will return the prediction of credit risk</a:t>
-            </a:r>
-          </a:p>
-          <a:p>
-            <a:r>
               <a:rPr lang="en-US" dirty="0" smtClean="0"/>
-              <a:t>A service endpoint is created to consume the service</a:t>
+              <a:t>A feature is a property of an entity.</a:t>
             </a:r>
           </a:p>
           <a:p>
             <a:r>
               <a:rPr lang="en-US" dirty="0" smtClean="0"/>
-              <a:t>An Excel Workbook is created to see how the values change the output real-time</a:t>
+              <a:t>Choose a subset of features that are relevant to the scenario.</a:t>
             </a:r>
             <a:endParaRPr lang="en-US" dirty="0"/>
           </a:p>
@@ -32038,16 +32240,16 @@
           <a:lstStyle/>
           <a:p>
             <a:r>
-              <a:rPr lang="en-US" dirty="0" smtClean="0">
+              <a:rPr lang="en-US" sz="4800" dirty="0" smtClean="0">
                 <a:solidFill>
-                  <a:srgbClr val="68217A"/>
+                  <a:srgbClr val="9B4F96"/>
                 </a:solidFill>
               </a:rPr>
-              <a:t>Publishing the Web Service</a:t>
-            </a:r>
-            <a:endParaRPr lang="en-US" dirty="0">
+              <a:t>Defining Features</a:t>
+            </a:r>
+            <a:endParaRPr lang="en-US" sz="4800" dirty="0">
               <a:solidFill>
-                <a:srgbClr val="68217A"/>
+                <a:srgbClr val="9B4F96"/>
               </a:solidFill>
             </a:endParaRPr>
           </a:p>
@@ -32056,18 +32258,18 @@
     </p:spTree>
     <p:extLst>
       <p:ext uri="{BB962C8B-B14F-4D97-AF65-F5344CB8AC3E}">
-        <p14:creationId xmlns:p14="http://schemas.microsoft.com/office/powerpoint/2010/main" val="4126753037"/>
+        <p14:creationId xmlns:p14="http://schemas.microsoft.com/office/powerpoint/2010/main" val="8418475"/>
       </p:ext>
     </p:extLst>
   </p:cSld>
   <p:clrMapOvr>
     <a:masterClrMapping/>
   </p:clrMapOvr>
-  <mc:AlternateContent xmlns:mc="http://schemas.openxmlformats.org/markup-compatibility/2006" xmlns:p14="http://schemas.microsoft.com/office/powerpoint/2010/main">
-    <mc:Choice Requires="p14">
+  <mc:AlternateContent xmlns:mc="http://schemas.openxmlformats.org/markup-compatibility/2006">
+    <mc:Choice xmlns:p14="http://schemas.microsoft.com/office/powerpoint/2010/main" Requires="p14">
       <p:transition p14:dur="0"/>
     </mc:Choice>
-    <mc:Fallback xmlns="">
+    <mc:Fallback>
       <p:transition/>
     </mc:Fallback>
   </mc:AlternateContent>
@@ -32134,7 +32336,7 @@
         <p:spPr>
           <a:xfrm>
             <a:off x="269240" y="3877277"/>
-            <a:ext cx="11332210" cy="1793881"/>
+            <a:ext cx="11332210" cy="2536651"/>
           </a:xfrm>
         </p:spPr>
         <p:txBody>
@@ -32157,11 +32359,7 @@
             </a:pPr>
             <a:r>
               <a:rPr lang="en-US" dirty="0" smtClean="0"/>
-              <a:t>Azure </a:t>
-            </a:r>
-            <a:r>
-              <a:rPr lang="en-US" dirty="0" smtClean="0"/>
-              <a:t>Machine Learning</a:t>
+              <a:t>Azure Machine Learning</a:t>
             </a:r>
           </a:p>
           <a:p>
@@ -32173,6 +32371,17 @@
               <a:rPr lang="en-US" dirty="0" smtClean="0"/>
               <a:t>Demo: Creating a Machine Learning Web Service</a:t>
             </a:r>
+          </a:p>
+          <a:p>
+            <a:pPr marL="514350" indent="-514350">
+              <a:buFont typeface="+mj-lt"/>
+              <a:buAutoNum type="arabicPeriod"/>
+            </a:pPr>
+            <a:r>
+              <a:rPr lang="en-US" dirty="0"/>
+              <a:t>Demo: Twitter Sentiment Analysis</a:t>
+            </a:r>
+            <a:endParaRPr lang="en-US" dirty="0" smtClean="0"/>
           </a:p>
           <a:p>
             <a:pPr marL="514350" indent="-514350">
@@ -32203,6 +32412,367 @@
       <p:transition spd="slow">
         <p:fade/>
       </p:transition>
+    </mc:Fallback>
+  </mc:AlternateContent>
+  <p:timing>
+    <p:tnLst>
+      <p:par>
+        <p:cTn id="1" dur="indefinite" restart="never" nodeType="tmRoot"/>
+      </p:par>
+    </p:tnLst>
+  </p:timing>
+</p:sld>
+</file>
+
+<file path=ppt/slides/slide20.xml><?xml version="1.0" encoding="utf-8"?>
+<p:sld xmlns:a="http://schemas.openxmlformats.org/drawingml/2006/main" xmlns:r="http://schemas.openxmlformats.org/officeDocument/2006/relationships" xmlns:p="http://schemas.openxmlformats.org/presentationml/2006/main" show="0">
+  <p:cSld>
+    <p:spTree>
+      <p:nvGrpSpPr>
+        <p:cNvPr id="1" name=""/>
+        <p:cNvGrpSpPr/>
+        <p:nvPr/>
+      </p:nvGrpSpPr>
+      <p:grpSpPr>
+        <a:xfrm>
+          <a:off x="0" y="0"/>
+          <a:ext cx="0" cy="0"/>
+          <a:chOff x="0" y="0"/>
+          <a:chExt cx="0" cy="0"/>
+        </a:xfrm>
+      </p:grpSpPr>
+      <p:sp>
+        <p:nvSpPr>
+          <p:cNvPr id="3" name="Content Placeholder 2"/>
+          <p:cNvSpPr>
+            <a:spLocks noGrp="1"/>
+          </p:cNvSpPr>
+          <p:nvPr>
+            <p:ph type="body" sz="quarter" idx="10"/>
+          </p:nvPr>
+        </p:nvSpPr>
+        <p:spPr>
+          <a:xfrm>
+            <a:off x="838200" y="1825625"/>
+            <a:ext cx="10515600" cy="4351338"/>
+          </a:xfrm>
+          <a:prstGeom prst="rect">
+            <a:avLst/>
+          </a:prstGeom>
+        </p:spPr>
+        <p:txBody>
+          <a:bodyPr/>
+          <a:lstStyle/>
+          <a:p>
+            <a:r>
+              <a:rPr lang="en-US" dirty="0" smtClean="0"/>
+              <a:t>Choose the prediction algorithm.</a:t>
+            </a:r>
+          </a:p>
+          <a:p>
+            <a:r>
+              <a:rPr lang="en-US" dirty="0" smtClean="0"/>
+              <a:t>The two most important algorithm types are classification and regression.</a:t>
+            </a:r>
+          </a:p>
+          <a:p>
+            <a:pPr lvl="1"/>
+            <a:r>
+              <a:rPr lang="en-US" dirty="0" smtClean="0"/>
+              <a:t>Classification is for predicting discrete values (E.g. Which candidate will a person vote for?)</a:t>
+            </a:r>
+          </a:p>
+          <a:p>
+            <a:pPr lvl="1"/>
+            <a:r>
+              <a:rPr lang="en-US" dirty="0" smtClean="0"/>
+              <a:t>Regression is for prediction continuous values (E.g. Cost of a car)</a:t>
+            </a:r>
+            <a:endParaRPr lang="en-US" dirty="0"/>
+          </a:p>
+        </p:txBody>
+      </p:sp>
+      <p:sp>
+        <p:nvSpPr>
+          <p:cNvPr id="2" name="Title 1"/>
+          <p:cNvSpPr>
+            <a:spLocks noGrp="1"/>
+          </p:cNvSpPr>
+          <p:nvPr>
+            <p:ph type="title"/>
+          </p:nvPr>
+        </p:nvSpPr>
+        <p:spPr/>
+        <p:txBody>
+          <a:bodyPr/>
+          <a:lstStyle/>
+          <a:p>
+            <a:r>
+              <a:rPr lang="en-US" sz="4800" dirty="0" smtClean="0">
+                <a:solidFill>
+                  <a:srgbClr val="9B4F96"/>
+                </a:solidFill>
+              </a:rPr>
+              <a:t>Training the Model</a:t>
+            </a:r>
+            <a:endParaRPr lang="en-US" sz="4800" dirty="0">
+              <a:solidFill>
+                <a:srgbClr val="9B4F96"/>
+              </a:solidFill>
+            </a:endParaRPr>
+          </a:p>
+        </p:txBody>
+      </p:sp>
+    </p:spTree>
+    <p:extLst>
+      <p:ext uri="{BB962C8B-B14F-4D97-AF65-F5344CB8AC3E}">
+        <p14:creationId xmlns:p14="http://schemas.microsoft.com/office/powerpoint/2010/main" val="2553968311"/>
+      </p:ext>
+    </p:extLst>
+  </p:cSld>
+  <p:clrMapOvr>
+    <a:masterClrMapping/>
+  </p:clrMapOvr>
+  <mc:AlternateContent xmlns:mc="http://schemas.openxmlformats.org/markup-compatibility/2006">
+    <mc:Choice xmlns:p14="http://schemas.microsoft.com/office/powerpoint/2010/main" Requires="p14">
+      <p:transition p14:dur="0"/>
+    </mc:Choice>
+    <mc:Fallback>
+      <p:transition/>
+    </mc:Fallback>
+  </mc:AlternateContent>
+  <p:timing>
+    <p:tnLst>
+      <p:par>
+        <p:cTn id="1" dur="indefinite" restart="never" nodeType="tmRoot"/>
+      </p:par>
+    </p:tnLst>
+  </p:timing>
+</p:sld>
+</file>
+
+<file path=ppt/slides/slide21.xml><?xml version="1.0" encoding="utf-8"?>
+<p:sld xmlns:a="http://schemas.openxmlformats.org/drawingml/2006/main" xmlns:r="http://schemas.openxmlformats.org/officeDocument/2006/relationships" xmlns:p="http://schemas.openxmlformats.org/presentationml/2006/main" show="0">
+  <p:cSld>
+    <p:spTree>
+      <p:nvGrpSpPr>
+        <p:cNvPr id="1" name=""/>
+        <p:cNvGrpSpPr/>
+        <p:nvPr/>
+      </p:nvGrpSpPr>
+      <p:grpSpPr>
+        <a:xfrm>
+          <a:off x="0" y="0"/>
+          <a:ext cx="0" cy="0"/>
+          <a:chOff x="0" y="0"/>
+          <a:chExt cx="0" cy="0"/>
+        </a:xfrm>
+      </p:grpSpPr>
+      <p:sp>
+        <p:nvSpPr>
+          <p:cNvPr id="3" name="Content Placeholder 2"/>
+          <p:cNvSpPr>
+            <a:spLocks noGrp="1"/>
+          </p:cNvSpPr>
+          <p:nvPr>
+            <p:ph type="body" sz="quarter" idx="10"/>
+          </p:nvPr>
+        </p:nvSpPr>
+        <p:spPr>
+          <a:xfrm>
+            <a:off x="838200" y="1825625"/>
+            <a:ext cx="10515600" cy="4351338"/>
+          </a:xfrm>
+          <a:prstGeom prst="rect">
+            <a:avLst/>
+          </a:prstGeom>
+        </p:spPr>
+        <p:txBody>
+          <a:bodyPr/>
+          <a:lstStyle/>
+          <a:p>
+            <a:r>
+              <a:rPr lang="en-US" dirty="0" smtClean="0"/>
+              <a:t>Once the model is trained, you can create a scoring experiment</a:t>
+            </a:r>
+          </a:p>
+          <a:p>
+            <a:r>
+              <a:rPr lang="en-US" dirty="0" smtClean="0"/>
+              <a:t>Elements only used for training are removed</a:t>
+            </a:r>
+          </a:p>
+          <a:p>
+            <a:endParaRPr lang="en-US" dirty="0" smtClean="0"/>
+          </a:p>
+        </p:txBody>
+      </p:sp>
+      <p:sp>
+        <p:nvSpPr>
+          <p:cNvPr id="2" name="Title 1"/>
+          <p:cNvSpPr>
+            <a:spLocks noGrp="1"/>
+          </p:cNvSpPr>
+          <p:nvPr>
+            <p:ph type="title"/>
+          </p:nvPr>
+        </p:nvSpPr>
+        <p:spPr/>
+        <p:txBody>
+          <a:bodyPr/>
+          <a:lstStyle/>
+          <a:p>
+            <a:r>
+              <a:rPr lang="en-US" dirty="0" smtClean="0">
+                <a:solidFill>
+                  <a:srgbClr val="68217A"/>
+                </a:solidFill>
+              </a:rPr>
+              <a:t>Creating a Scoring Experiment</a:t>
+            </a:r>
+            <a:endParaRPr lang="en-US" dirty="0">
+              <a:solidFill>
+                <a:srgbClr val="68217A"/>
+              </a:solidFill>
+            </a:endParaRPr>
+          </a:p>
+        </p:txBody>
+      </p:sp>
+    </p:spTree>
+    <p:extLst>
+      <p:ext uri="{BB962C8B-B14F-4D97-AF65-F5344CB8AC3E}">
+        <p14:creationId xmlns:p14="http://schemas.microsoft.com/office/powerpoint/2010/main" val="2771427126"/>
+      </p:ext>
+    </p:extLst>
+  </p:cSld>
+  <p:clrMapOvr>
+    <a:masterClrMapping/>
+  </p:clrMapOvr>
+  <mc:AlternateContent xmlns:mc="http://schemas.openxmlformats.org/markup-compatibility/2006">
+    <mc:Choice xmlns:p14="http://schemas.microsoft.com/office/powerpoint/2010/main" Requires="p14">
+      <p:transition p14:dur="0"/>
+    </mc:Choice>
+    <mc:Fallback>
+      <p:transition/>
+    </mc:Fallback>
+  </mc:AlternateContent>
+  <p:timing>
+    <p:tnLst>
+      <p:par>
+        <p:cTn id="1" dur="indefinite" restart="never" nodeType="tmRoot"/>
+      </p:par>
+    </p:tnLst>
+  </p:timing>
+</p:sld>
+</file>
+
+<file path=ppt/slides/slide22.xml><?xml version="1.0" encoding="utf-8"?>
+<p:sld xmlns:a="http://schemas.openxmlformats.org/drawingml/2006/main" xmlns:r="http://schemas.openxmlformats.org/officeDocument/2006/relationships" xmlns:p="http://schemas.openxmlformats.org/presentationml/2006/main" show="0">
+  <p:cSld>
+    <p:spTree>
+      <p:nvGrpSpPr>
+        <p:cNvPr id="1" name=""/>
+        <p:cNvGrpSpPr/>
+        <p:nvPr/>
+      </p:nvGrpSpPr>
+      <p:grpSpPr>
+        <a:xfrm>
+          <a:off x="0" y="0"/>
+          <a:ext cx="0" cy="0"/>
+          <a:chOff x="0" y="0"/>
+          <a:chExt cx="0" cy="0"/>
+        </a:xfrm>
+      </p:grpSpPr>
+      <p:sp>
+        <p:nvSpPr>
+          <p:cNvPr id="3" name="Content Placeholder 2"/>
+          <p:cNvSpPr>
+            <a:spLocks noGrp="1"/>
+          </p:cNvSpPr>
+          <p:nvPr>
+            <p:ph type="body" sz="quarter" idx="10"/>
+          </p:nvPr>
+        </p:nvSpPr>
+        <p:spPr>
+          <a:xfrm>
+            <a:off x="838200" y="1825625"/>
+            <a:ext cx="10515600" cy="4351338"/>
+          </a:xfrm>
+          <a:prstGeom prst="rect">
+            <a:avLst/>
+          </a:prstGeom>
+        </p:spPr>
+        <p:txBody>
+          <a:bodyPr/>
+          <a:lstStyle/>
+          <a:p>
+            <a:r>
+              <a:rPr lang="en-US" dirty="0"/>
+              <a:t>A user will be able to send a set of credit application data to the service, and the service will return the prediction of credit risk</a:t>
+            </a:r>
+          </a:p>
+          <a:p>
+            <a:r>
+              <a:rPr lang="en-US" dirty="0" smtClean="0"/>
+              <a:t>A service endpoint is created to consume the service</a:t>
+            </a:r>
+          </a:p>
+          <a:p>
+            <a:r>
+              <a:rPr lang="en-US" dirty="0" smtClean="0"/>
+              <a:t>An Excel Workbook is created to see how the values change the output real-time</a:t>
+            </a:r>
+            <a:endParaRPr lang="en-US" dirty="0"/>
+          </a:p>
+        </p:txBody>
+      </p:sp>
+      <p:sp>
+        <p:nvSpPr>
+          <p:cNvPr id="2" name="Title 1"/>
+          <p:cNvSpPr>
+            <a:spLocks noGrp="1"/>
+          </p:cNvSpPr>
+          <p:nvPr>
+            <p:ph type="title"/>
+          </p:nvPr>
+        </p:nvSpPr>
+        <p:spPr/>
+        <p:txBody>
+          <a:bodyPr/>
+          <a:lstStyle/>
+          <a:p>
+            <a:r>
+              <a:rPr lang="en-US" dirty="0" smtClean="0">
+                <a:solidFill>
+                  <a:srgbClr val="68217A"/>
+                </a:solidFill>
+              </a:rPr>
+              <a:t>Publishing the Web Service</a:t>
+            </a:r>
+            <a:endParaRPr lang="en-US" dirty="0">
+              <a:solidFill>
+                <a:srgbClr val="68217A"/>
+              </a:solidFill>
+            </a:endParaRPr>
+          </a:p>
+        </p:txBody>
+      </p:sp>
+    </p:spTree>
+    <p:extLst>
+      <p:ext uri="{BB962C8B-B14F-4D97-AF65-F5344CB8AC3E}">
+        <p14:creationId xmlns:p14="http://schemas.microsoft.com/office/powerpoint/2010/main" val="4126753037"/>
+      </p:ext>
+    </p:extLst>
+  </p:cSld>
+  <p:clrMapOvr>
+    <a:masterClrMapping/>
+  </p:clrMapOvr>
+  <mc:AlternateContent xmlns:mc="http://schemas.openxmlformats.org/markup-compatibility/2006">
+    <mc:Choice xmlns:p14="http://schemas.microsoft.com/office/powerpoint/2010/main" Requires="p14">
+      <p:transition p14:dur="0"/>
+    </mc:Choice>
+    <mc:Fallback>
+      <p:transition/>
     </mc:Fallback>
   </mc:AlternateContent>
   <p:timing>
@@ -32281,11 +32851,7 @@
             </a:pPr>
             <a:r>
               <a:rPr lang="en-US" sz="1800" dirty="0" smtClean="0"/>
-              <a:t>They are able to independently adapt and “learn</a:t>
-            </a:r>
-            <a:r>
-              <a:rPr lang="en-US" sz="1800" dirty="0" smtClean="0"/>
-              <a:t>”</a:t>
+              <a:t>They are able to independently adapt and “learn”</a:t>
             </a:r>
           </a:p>
           <a:p>
@@ -32348,11 +32914,7 @@
             </a:r>
             <a:r>
               <a:rPr lang="en-US" sz="1800" dirty="0" smtClean="0"/>
-              <a:t>be (insights</a:t>
-            </a:r>
-            <a:r>
-              <a:rPr lang="en-US" sz="1800" dirty="0" smtClean="0"/>
-              <a:t>)</a:t>
+              <a:t>be (insights)</a:t>
             </a:r>
           </a:p>
           <a:p>
@@ -32506,11 +33068,7 @@
             </a:pPr>
             <a:r>
               <a:rPr lang="en-US" sz="3200" dirty="0" smtClean="0"/>
-              <a:t>Involves induction, for complex models (non lineal</a:t>
-            </a:r>
-            <a:r>
-              <a:rPr lang="en-US" sz="3200" dirty="0" smtClean="0"/>
-              <a:t>)</a:t>
+              <a:t>Involves induction, for complex models (non lineal)</a:t>
             </a:r>
           </a:p>
           <a:p>
@@ -32521,11 +33079,7 @@
             </a:pPr>
             <a:r>
               <a:rPr lang="en-US" sz="3200" dirty="0" smtClean="0"/>
-              <a:t>Useful </a:t>
-            </a:r>
-            <a:r>
-              <a:rPr lang="en-US" sz="3200" dirty="0" smtClean="0"/>
-              <a:t>for Big Data</a:t>
+              <a:t>Useful for Big Data</a:t>
             </a:r>
           </a:p>
           <a:p>
@@ -32547,11 +33101,7 @@
             </a:pPr>
             <a:r>
               <a:rPr lang="en-US" sz="1800" dirty="0" smtClean="0"/>
-              <a:t>To predict results (insights) and help make better business </a:t>
-            </a:r>
-            <a:r>
-              <a:rPr lang="en-US" sz="1800" dirty="0" smtClean="0"/>
-              <a:t>decisions</a:t>
+              <a:t>To predict results (insights) and help make better business decisions</a:t>
             </a:r>
           </a:p>
           <a:p>
@@ -32562,11 +33112,7 @@
             </a:pPr>
             <a:r>
               <a:rPr lang="en-US" sz="3200" dirty="0" smtClean="0"/>
-              <a:t>Three </a:t>
-            </a:r>
-            <a:r>
-              <a:rPr lang="en-US" sz="3200" dirty="0" smtClean="0"/>
-              <a:t>broad categories</a:t>
+              <a:t>Three broad categories</a:t>
             </a:r>
           </a:p>
           <a:p>
@@ -32577,13 +33123,8 @@
             </a:pPr>
             <a:r>
               <a:rPr lang="en-US" sz="1800" dirty="0" smtClean="0"/>
-              <a:t>Supervised </a:t>
-            </a:r>
-            <a:r>
-              <a:rPr lang="en-US" sz="1800" dirty="0" smtClean="0"/>
-              <a:t>learning</a:t>
-            </a:r>
-            <a:endParaRPr lang="en-US" sz="1800" dirty="0" smtClean="0"/>
+              <a:t>Supervised learning</a:t>
+            </a:r>
           </a:p>
           <a:p>
             <a:pPr lvl="1">
@@ -32593,11 +33134,7 @@
             </a:pPr>
             <a:r>
               <a:rPr lang="en-US" sz="1800" dirty="0" smtClean="0"/>
-              <a:t>Unsupervised </a:t>
-            </a:r>
-            <a:r>
-              <a:rPr lang="en-US" sz="1800" dirty="0" smtClean="0"/>
-              <a:t>learning</a:t>
+              <a:t>Unsupervised learning</a:t>
             </a:r>
           </a:p>
           <a:p>
@@ -32652,11 +33189,7 @@
             </a:pPr>
             <a:r>
               <a:rPr lang="en-US" sz="3200" dirty="0" smtClean="0"/>
-              <a:t>Related </a:t>
-            </a:r>
-            <a:r>
-              <a:rPr lang="en-US" sz="3200" dirty="0" smtClean="0"/>
-              <a:t>fields: statistics, artificial intelligence, modeling, data mining</a:t>
+              <a:t>Related fields: statistics, artificial intelligence, modeling, data mining</a:t>
             </a:r>
             <a:endParaRPr lang="en-US" sz="3200" dirty="0"/>
           </a:p>
@@ -32740,144 +33273,7 @@
       </p:grpSpPr>
       <p:sp>
         <p:nvSpPr>
-          <p:cNvPr id="3" name="Content Placeholder 2"/>
-          <p:cNvSpPr>
-            <a:spLocks noGrp="1"/>
-          </p:cNvSpPr>
-          <p:nvPr>
-            <p:ph type="body" sz="quarter" idx="10"/>
-          </p:nvPr>
-        </p:nvSpPr>
-        <p:spPr>
-          <a:xfrm>
-            <a:off x="269239" y="1189176"/>
-            <a:ext cx="11653523" cy="5581494"/>
-          </a:xfrm>
-        </p:spPr>
-        <p:txBody>
-          <a:bodyPr>
-            <a:normAutofit fontScale="92500" lnSpcReduction="10000"/>
-          </a:bodyPr>
-          <a:lstStyle/>
-          <a:p>
-            <a:r>
-              <a:rPr lang="en-US" sz="3500" dirty="0" smtClean="0"/>
-              <a:t>Online </a:t>
-            </a:r>
-            <a:r>
-              <a:rPr lang="en-US" sz="3500" dirty="0"/>
-              <a:t>movie recommendation on </a:t>
-            </a:r>
-            <a:r>
-              <a:rPr lang="en-US" sz="3500" dirty="0" smtClean="0"/>
-              <a:t>Netflix </a:t>
-            </a:r>
-            <a:r>
-              <a:rPr lang="en-US" sz="3500" dirty="0" smtClean="0"/>
-              <a:t>(</a:t>
-            </a:r>
-            <a:r>
-              <a:rPr lang="en-US" sz="3500" dirty="0" smtClean="0">
-                <a:hlinkClick r:id="rId3"/>
-              </a:rPr>
-              <a:t>“The </a:t>
-            </a:r>
-            <a:r>
-              <a:rPr lang="en-US" sz="3500" dirty="0" smtClean="0">
-                <a:hlinkClick r:id="rId3"/>
-              </a:rPr>
-              <a:t>Netflix price”</a:t>
-            </a:r>
-            <a:r>
-              <a:rPr lang="en-US" sz="3500" dirty="0" smtClean="0"/>
-              <a:t>, offered $1M to improve accuracy by 10%</a:t>
-            </a:r>
-            <a:r>
-              <a:rPr lang="en-US" sz="3500" dirty="0" smtClean="0"/>
-              <a:t>)</a:t>
-            </a:r>
-          </a:p>
-          <a:p>
-            <a:endParaRPr lang="en-US" sz="3500" dirty="0"/>
-          </a:p>
-          <a:p>
-            <a:r>
-              <a:rPr lang="en-US" sz="3500" dirty="0"/>
-              <a:t>Spam filtering, which uses text classification </a:t>
-            </a:r>
-            <a:r>
-              <a:rPr lang="en-US" sz="3500" dirty="0" smtClean="0"/>
-              <a:t>techniques (like </a:t>
-            </a:r>
-            <a:r>
-              <a:rPr lang="en-US" sz="3500" dirty="0" smtClean="0">
-                <a:hlinkClick r:id="rId4"/>
-              </a:rPr>
-              <a:t>Naive Bayes spam filtering</a:t>
-            </a:r>
-            <a:r>
-              <a:rPr lang="en-US" sz="3500" dirty="0" smtClean="0"/>
-              <a:t>)</a:t>
-            </a:r>
-          </a:p>
-          <a:p>
-            <a:endParaRPr lang="en-US" sz="3500" dirty="0" smtClean="0"/>
-          </a:p>
-          <a:p>
-            <a:r>
-              <a:rPr lang="en-US" sz="3500" dirty="0" smtClean="0"/>
-              <a:t>Credit </a:t>
-            </a:r>
-            <a:r>
-              <a:rPr lang="en-US" sz="3500" dirty="0"/>
-              <a:t>scoring, </a:t>
-            </a:r>
-            <a:r>
-              <a:rPr lang="en-US" sz="3500" dirty="0" smtClean="0"/>
-              <a:t>based on </a:t>
-            </a:r>
-            <a:r>
-              <a:rPr lang="en-US" sz="3500" dirty="0"/>
-              <a:t>historical </a:t>
-            </a:r>
-            <a:r>
-              <a:rPr lang="en-US" sz="3500" dirty="0" smtClean="0"/>
-              <a:t>data (credit and payment history, customer transactions, etc</a:t>
-            </a:r>
-            <a:r>
-              <a:rPr lang="en-US" sz="3500" dirty="0" smtClean="0"/>
-              <a:t>.)</a:t>
-            </a:r>
-          </a:p>
-          <a:p>
-            <a:endParaRPr lang="en-US" sz="3500" dirty="0"/>
-          </a:p>
-          <a:p>
-            <a:r>
-              <a:rPr lang="en-US" sz="3500" dirty="0"/>
-              <a:t>Google’s self-driving cars, which use </a:t>
-            </a:r>
-            <a:r>
-              <a:rPr lang="en-US" sz="3500" dirty="0">
-                <a:hlinkClick r:id="rId5"/>
-              </a:rPr>
-              <a:t>Computer vision</a:t>
-            </a:r>
-            <a:r>
-              <a:rPr lang="en-US" sz="3500" dirty="0"/>
-              <a:t>, image processing and machine learning algorithms to learn from actual drivers’ behavior</a:t>
-            </a:r>
-            <a:r>
-              <a:rPr lang="en-US" sz="3500" dirty="0" smtClean="0"/>
-              <a:t>.</a:t>
-            </a:r>
-            <a:endParaRPr lang="en-US" sz="3500" dirty="0"/>
-          </a:p>
-        </p:txBody>
-      </p:sp>
-      <p:sp>
-        <p:nvSpPr>
-          <p:cNvPr id="2" name="Title 1"/>
+          <p:cNvPr id="4" name="Title 3"/>
           <p:cNvSpPr>
             <a:spLocks noGrp="1"/>
           </p:cNvSpPr>
@@ -32891,20 +33287,17 @@
           <a:lstStyle/>
           <a:p>
             <a:r>
-              <a:rPr lang="en-US" dirty="0" smtClean="0">
-                <a:solidFill>
-                  <a:srgbClr val="9B4F96"/>
-                </a:solidFill>
-              </a:rPr>
-              <a:t>Machine Learning examples</a:t>
-            </a:r>
+              <a:rPr lang="en-US" dirty="0" smtClean="0"/>
+              <a:t>Examples</a:t>
+            </a:r>
+            <a:endParaRPr lang="en-US" dirty="0"/>
           </a:p>
         </p:txBody>
       </p:sp>
     </p:spTree>
     <p:extLst>
       <p:ext uri="{BB962C8B-B14F-4D97-AF65-F5344CB8AC3E}">
-        <p14:creationId xmlns:p14="http://schemas.microsoft.com/office/powerpoint/2010/main" val="1732835710"/>
+        <p14:creationId xmlns:p14="http://schemas.microsoft.com/office/powerpoint/2010/main" val="3664229682"/>
       </p:ext>
     </p:extLst>
   </p:cSld>
@@ -32958,6 +33351,171 @@
         </p:nvSpPr>
         <p:spPr>
           <a:xfrm>
+            <a:off x="269239" y="1189176"/>
+            <a:ext cx="11653523" cy="5581494"/>
+          </a:xfrm>
+        </p:spPr>
+        <p:txBody>
+          <a:bodyPr>
+            <a:normAutofit/>
+          </a:bodyPr>
+          <a:lstStyle/>
+          <a:p>
+            <a:r>
+              <a:rPr lang="en-US" sz="3500" dirty="0" smtClean="0"/>
+              <a:t>Online </a:t>
+            </a:r>
+            <a:r>
+              <a:rPr lang="en-US" sz="3500" dirty="0"/>
+              <a:t>movie recommendation on </a:t>
+            </a:r>
+            <a:r>
+              <a:rPr lang="en-US" sz="3500" dirty="0" smtClean="0"/>
+              <a:t>Netflix (</a:t>
+            </a:r>
+            <a:r>
+              <a:rPr lang="en-US" sz="3500" dirty="0" smtClean="0">
+                <a:hlinkClick r:id="rId3"/>
+              </a:rPr>
+              <a:t>“The Netflix price”</a:t>
+            </a:r>
+            <a:r>
+              <a:rPr lang="en-US" sz="3500" dirty="0" smtClean="0"/>
+              <a:t>, offered $1M to improve accuracy by 10%)</a:t>
+            </a:r>
+          </a:p>
+          <a:p>
+            <a:endParaRPr lang="en-US" sz="3500" dirty="0"/>
+          </a:p>
+          <a:p>
+            <a:r>
+              <a:rPr lang="en-US" sz="3500" dirty="0"/>
+              <a:t>Spam filtering, which uses text classification </a:t>
+            </a:r>
+            <a:r>
+              <a:rPr lang="en-US" sz="3500" dirty="0" smtClean="0"/>
+              <a:t>techniques (like </a:t>
+            </a:r>
+            <a:r>
+              <a:rPr lang="en-US" sz="3500" dirty="0" smtClean="0">
+                <a:hlinkClick r:id="rId4"/>
+              </a:rPr>
+              <a:t>Naive Bayes spam filtering</a:t>
+            </a:r>
+            <a:r>
+              <a:rPr lang="en-US" sz="3500" dirty="0" smtClean="0"/>
+              <a:t>)</a:t>
+            </a:r>
+          </a:p>
+          <a:p>
+            <a:endParaRPr lang="en-US" sz="3500" dirty="0"/>
+          </a:p>
+          <a:p>
+            <a:r>
+              <a:rPr lang="en-US" sz="3500" dirty="0"/>
+              <a:t>Google’s self-driving cars, which use </a:t>
+            </a:r>
+            <a:r>
+              <a:rPr lang="en-US" sz="3500" dirty="0">
+                <a:hlinkClick r:id="rId5"/>
+              </a:rPr>
+              <a:t>Computer vision</a:t>
+            </a:r>
+            <a:r>
+              <a:rPr lang="en-US" sz="3500" dirty="0"/>
+              <a:t>, image processing and machine learning algorithms to learn from actual drivers’ behavior</a:t>
+            </a:r>
+            <a:r>
+              <a:rPr lang="en-US" sz="3500" dirty="0" smtClean="0"/>
+              <a:t>.</a:t>
+            </a:r>
+            <a:endParaRPr lang="en-US" sz="3500" dirty="0"/>
+          </a:p>
+        </p:txBody>
+      </p:sp>
+      <p:sp>
+        <p:nvSpPr>
+          <p:cNvPr id="2" name="Title 1"/>
+          <p:cNvSpPr>
+            <a:spLocks noGrp="1"/>
+          </p:cNvSpPr>
+          <p:nvPr>
+            <p:ph type="title"/>
+          </p:nvPr>
+        </p:nvSpPr>
+        <p:spPr/>
+        <p:txBody>
+          <a:bodyPr/>
+          <a:lstStyle/>
+          <a:p>
+            <a:r>
+              <a:rPr lang="en-US" dirty="0" smtClean="0">
+                <a:solidFill>
+                  <a:srgbClr val="9B4F96"/>
+                </a:solidFill>
+              </a:rPr>
+              <a:t>Machine Learning examples</a:t>
+            </a:r>
+          </a:p>
+        </p:txBody>
+      </p:sp>
+    </p:spTree>
+    <p:extLst>
+      <p:ext uri="{BB962C8B-B14F-4D97-AF65-F5344CB8AC3E}">
+        <p14:creationId xmlns:p14="http://schemas.microsoft.com/office/powerpoint/2010/main" val="1732835710"/>
+      </p:ext>
+    </p:extLst>
+  </p:cSld>
+  <p:clrMapOvr>
+    <a:masterClrMapping/>
+  </p:clrMapOvr>
+  <mc:AlternateContent xmlns:mc="http://schemas.openxmlformats.org/markup-compatibility/2006" xmlns:p14="http://schemas.microsoft.com/office/powerpoint/2010/main">
+    <mc:Choice Requires="p14">
+      <p:transition p14:dur="0"/>
+    </mc:Choice>
+    <mc:Fallback xmlns="">
+      <p:transition/>
+    </mc:Fallback>
+  </mc:AlternateContent>
+  <p:timing>
+    <p:tnLst>
+      <p:par>
+        <p:cTn id="1" dur="indefinite" restart="never" nodeType="tmRoot"/>
+      </p:par>
+    </p:tnLst>
+  </p:timing>
+</p:sld>
+</file>
+
+<file path=ppt/slides/slide7.xml><?xml version="1.0" encoding="utf-8"?>
+<p:sld xmlns:a="http://schemas.openxmlformats.org/drawingml/2006/main" xmlns:r="http://schemas.openxmlformats.org/officeDocument/2006/relationships" xmlns:p="http://schemas.openxmlformats.org/presentationml/2006/main">
+  <p:cSld>
+    <p:spTree>
+      <p:nvGrpSpPr>
+        <p:cNvPr id="1" name=""/>
+        <p:cNvGrpSpPr/>
+        <p:nvPr/>
+      </p:nvGrpSpPr>
+      <p:grpSpPr>
+        <a:xfrm>
+          <a:off x="0" y="0"/>
+          <a:ext cx="0" cy="0"/>
+          <a:chOff x="0" y="0"/>
+          <a:chExt cx="0" cy="0"/>
+        </a:xfrm>
+      </p:grpSpPr>
+      <p:sp>
+        <p:nvSpPr>
+          <p:cNvPr id="3" name="Content Placeholder 2"/>
+          <p:cNvSpPr>
+            <a:spLocks noGrp="1"/>
+          </p:cNvSpPr>
+          <p:nvPr>
+            <p:ph type="body" sz="quarter" idx="10"/>
+          </p:nvPr>
+        </p:nvSpPr>
+        <p:spPr>
+          <a:xfrm>
             <a:off x="269239" y="1189177"/>
             <a:ext cx="11653523" cy="5327420"/>
           </a:xfrm>
@@ -32978,32 +33536,18 @@
               <a:rPr lang="en-US" sz="3200" dirty="0" smtClean="0"/>
               <a:t>service</a:t>
             </a:r>
-            <a:endParaRPr lang="en-US" sz="3200" dirty="0" smtClean="0"/>
           </a:p>
           <a:p>
             <a:r>
               <a:rPr lang="en-US" sz="3200" dirty="0" smtClean="0"/>
-              <a:t>Provides a collaborative tool with drag &amp; </a:t>
-            </a:r>
+              <a:t>Provides a collaborative tool with drag &amp; drop</a:t>
+            </a:r>
+          </a:p>
+          <a:p>
             <a:r>
               <a:rPr lang="en-US" sz="3200" dirty="0" smtClean="0"/>
-              <a:t>drop</a:t>
-            </a:r>
-          </a:p>
-          <a:p>
-            <a:r>
-              <a:rPr lang="en-US" sz="3200" dirty="0" smtClean="0"/>
-              <a:t>Publish </a:t>
-            </a:r>
-            <a:r>
-              <a:rPr lang="en-US" sz="3200" dirty="0" smtClean="0"/>
-              <a:t>ready-to-consume web </a:t>
-            </a:r>
-            <a:r>
-              <a:rPr lang="en-US" sz="3200" dirty="0" smtClean="0"/>
-              <a:t>services</a:t>
-            </a:r>
-            <a:endParaRPr lang="en-US" sz="3200" dirty="0" smtClean="0"/>
+              <a:t>Publish ready-to-consume web services</a:t>
+            </a:r>
           </a:p>
           <a:p>
             <a:r>
@@ -33024,11 +33568,7 @@
             </a:r>
             <a:r>
               <a:rPr lang="en-US" sz="3200" dirty="0" smtClean="0"/>
-              <a:t>data </a:t>
-            </a:r>
-            <a:r>
-              <a:rPr lang="en-US" sz="3200" dirty="0" smtClean="0"/>
-              <a:t>sets</a:t>
+              <a:t>data sets</a:t>
             </a:r>
           </a:p>
           <a:p>
@@ -33042,13 +33582,8 @@
             </a:r>
             <a:r>
               <a:rPr lang="en-US" sz="3200" dirty="0" smtClean="0"/>
-              <a:t>experiments and </a:t>
-            </a:r>
-            <a:r>
-              <a:rPr lang="en-US" sz="3200" dirty="0" smtClean="0"/>
-              <a:t>samples</a:t>
-            </a:r>
-            <a:endParaRPr lang="en-US" sz="3200" dirty="0" smtClean="0"/>
+              <a:t>experiments and samples</a:t>
+            </a:r>
           </a:p>
           <a:p>
             <a:r>
@@ -33156,8 +33691,8 @@
 </p:sld>
 </file>
 
-<file path=ppt/slides/slide7.xml><?xml version="1.0" encoding="utf-8"?>
-<p:sld xmlns:a="http://schemas.openxmlformats.org/drawingml/2006/main" xmlns:r="http://schemas.openxmlformats.org/officeDocument/2006/relationships" xmlns:p="http://schemas.openxmlformats.org/presentationml/2006/main">
+<file path=ppt/slides/slide8.xml><?xml version="1.0" encoding="utf-8"?>
+<p:sld xmlns:a="http://schemas.openxmlformats.org/drawingml/2006/main" xmlns:r="http://schemas.openxmlformats.org/officeDocument/2006/relationships" xmlns:p="http://schemas.openxmlformats.org/presentationml/2006/main" show="0">
   <p:cSld>
     <p:bg>
       <p:bgPr>
@@ -33240,8 +33775,8 @@
               </a:prstGeom>
               <a:noFill/>
               <a:extLst>
-                <a:ext uri="{909E8E84-426E-40DD-AFC4-6F175D3DCCD1}">
-                  <a14:hiddenFill xmlns:a14="http://schemas.microsoft.com/office/drawing/2010/main">
+                <a:ext uri="{909E8E84-426E-40dd-AFC4-6F175D3DCCD1}">
+                  <a14:hiddenFill xmlns="" xmlns:a14="http://schemas.microsoft.com/office/drawing/2010/main">
                     <a:solidFill>
                       <a:srgbClr val="FFFFFF"/>
                     </a:solidFill>
@@ -33281,8 +33816,8 @@
               </a:prstGeom>
               <a:noFill/>
               <a:extLst>
-                <a:ext uri="{909E8E84-426E-40DD-AFC4-6F175D3DCCD1}">
-                  <a14:hiddenFill xmlns:a14="http://schemas.microsoft.com/office/drawing/2010/main">
+                <a:ext uri="{909E8E84-426E-40dd-AFC4-6F175D3DCCD1}">
+                  <a14:hiddenFill xmlns="" xmlns:a14="http://schemas.microsoft.com/office/drawing/2010/main">
                     <a:solidFill>
                       <a:srgbClr val="FFFFFF"/>
                     </a:solidFill>
@@ -33323,8 +33858,8 @@
             </a:prstGeom>
             <a:noFill/>
             <a:extLst>
-              <a:ext uri="{909E8E84-426E-40DD-AFC4-6F175D3DCCD1}">
-                <a14:hiddenFill xmlns:a14="http://schemas.microsoft.com/office/drawing/2010/main">
+              <a:ext uri="{909E8E84-426E-40dd-AFC4-6F175D3DCCD1}">
+                <a14:hiddenFill xmlns="" xmlns:a14="http://schemas.microsoft.com/office/drawing/2010/main">
                   <a:solidFill>
                     <a:srgbClr val="FFFFFF"/>
                   </a:solidFill>
@@ -33621,8 +34156,8 @@
             </a:prstGeom>
             <a:noFill/>
             <a:extLst>
-              <a:ext uri="{909E8E84-426E-40DD-AFC4-6F175D3DCCD1}">
-                <a14:hiddenFill xmlns:a14="http://schemas.microsoft.com/office/drawing/2010/main">
+              <a:ext uri="{909E8E84-426E-40dd-AFC4-6F175D3DCCD1}">
+                <a14:hiddenFill xmlns="" xmlns:a14="http://schemas.microsoft.com/office/drawing/2010/main">
                   <a:solidFill>
                     <a:srgbClr val="FFFFFF"/>
                   </a:solidFill>
@@ -34130,11 +34665,11 @@
   <p:clrMapOvr>
     <a:masterClrMapping/>
   </p:clrMapOvr>
-  <mc:AlternateContent xmlns:mc="http://schemas.openxmlformats.org/markup-compatibility/2006" xmlns:p14="http://schemas.microsoft.com/office/powerpoint/2010/main">
-    <mc:Choice Requires="p14">
+  <mc:AlternateContent xmlns:mc="http://schemas.openxmlformats.org/markup-compatibility/2006">
+    <mc:Choice xmlns:p14="http://schemas.microsoft.com/office/powerpoint/2010/main" Requires="p14">
       <p:transition p14:dur="0"/>
     </mc:Choice>
-    <mc:Fallback xmlns="">
+    <mc:Fallback>
       <p:transition/>
     </mc:Fallback>
   </mc:AlternateContent>
@@ -34148,7 +34683,7 @@
 </p:sld>
 </file>
 
-<file path=ppt/slides/slide8.xml><?xml version="1.0" encoding="utf-8"?>
+<file path=ppt/slides/slide9.xml><?xml version="1.0" encoding="utf-8"?>
 <p:sld xmlns:a="http://schemas.openxmlformats.org/drawingml/2006/main" xmlns:r="http://schemas.openxmlformats.org/officeDocument/2006/relationships" xmlns:p="http://schemas.openxmlformats.org/presentationml/2006/main">
   <p:cSld>
     <p:spTree>
@@ -34299,8 +34834,8 @@
           </a:prstGeom>
           <a:noFill/>
           <a:extLst>
-            <a:ext uri="{909E8E84-426E-40DD-AFC4-6F175D3DCCD1}">
-              <a14:hiddenFill xmlns:a14="http://schemas.microsoft.com/office/drawing/2010/main">
+            <a:ext uri="{909E8E84-426E-40dd-AFC4-6F175D3DCCD1}">
+              <a14:hiddenFill xmlns="" xmlns:a14="http://schemas.microsoft.com/office/drawing/2010/main">
                 <a:solidFill>
                   <a:srgbClr val="FFFFFF"/>
                 </a:solidFill>
@@ -34322,100 +34857,6 @@
   <p:transition>
     <p:fade/>
   </p:transition>
-  <p:timing>
-    <p:tnLst>
-      <p:par>
-        <p:cTn id="1" dur="indefinite" restart="never" nodeType="tmRoot"/>
-      </p:par>
-    </p:tnLst>
-  </p:timing>
-</p:sld>
-</file>
-
-<file path=ppt/slides/slide9.xml><?xml version="1.0" encoding="utf-8"?>
-<p:sld xmlns:a="http://schemas.openxmlformats.org/drawingml/2006/main" xmlns:r="http://schemas.openxmlformats.org/officeDocument/2006/relationships" xmlns:p="http://schemas.openxmlformats.org/presentationml/2006/main">
-  <p:cSld>
-    <p:spTree>
-      <p:nvGrpSpPr>
-        <p:cNvPr id="1" name=""/>
-        <p:cNvGrpSpPr/>
-        <p:nvPr/>
-      </p:nvGrpSpPr>
-      <p:grpSpPr>
-        <a:xfrm>
-          <a:off x="0" y="0"/>
-          <a:ext cx="0" cy="0"/>
-          <a:chOff x="0" y="0"/>
-          <a:chExt cx="0" cy="0"/>
-        </a:xfrm>
-      </p:grpSpPr>
-      <p:sp>
-        <p:nvSpPr>
-          <p:cNvPr id="4" name="Title 3"/>
-          <p:cNvSpPr>
-            <a:spLocks noGrp="1"/>
-          </p:cNvSpPr>
-          <p:nvPr>
-            <p:ph type="title"/>
-          </p:nvPr>
-        </p:nvSpPr>
-        <p:spPr/>
-        <p:txBody>
-          <a:bodyPr/>
-          <a:lstStyle/>
-          <a:p>
-            <a:r>
-              <a:rPr lang="en-US" dirty="0" smtClean="0"/>
-              <a:t>Demo</a:t>
-            </a:r>
-            <a:endParaRPr lang="en-US" dirty="0"/>
-          </a:p>
-        </p:txBody>
-      </p:sp>
-      <p:sp>
-        <p:nvSpPr>
-          <p:cNvPr id="5" name="Text Placeholder 4"/>
-          <p:cNvSpPr>
-            <a:spLocks noGrp="1"/>
-          </p:cNvSpPr>
-          <p:nvPr>
-            <p:ph type="body" sz="quarter" idx="12"/>
-          </p:nvPr>
-        </p:nvSpPr>
-        <p:spPr/>
-        <p:txBody>
-          <a:bodyPr/>
-          <a:lstStyle/>
-          <a:p>
-            <a:r>
-              <a:rPr lang="en-US" dirty="0" smtClean="0"/>
-              <a:t>Creating a Machine Learning Web Service</a:t>
-            </a:r>
-          </a:p>
-        </p:txBody>
-      </p:sp>
-    </p:spTree>
-    <p:extLst>
-      <p:ext uri="{BB962C8B-B14F-4D97-AF65-F5344CB8AC3E}">
-        <p14:creationId xmlns:p14="http://schemas.microsoft.com/office/powerpoint/2010/main" val="2739038826"/>
-      </p:ext>
-    </p:extLst>
-  </p:cSld>
-  <p:clrMapOvr>
-    <a:masterClrMapping/>
-  </p:clrMapOvr>
-  <mc:AlternateContent xmlns:mc="http://schemas.openxmlformats.org/markup-compatibility/2006" xmlns:p14="http://schemas.microsoft.com/office/powerpoint/2010/main">
-    <mc:Choice Requires="p14">
-      <p:transition spd="slow" p14:dur="3400">
-        <p14:reveal/>
-      </p:transition>
-    </mc:Choice>
-    <mc:Fallback xmlns="">
-      <p:transition spd="slow">
-        <p:fade/>
-      </p:transition>
-    </mc:Fallback>
-  </mc:AlternateContent>
   <p:timing>
     <p:tnLst>
       <p:par>
@@ -35065,7 +35506,7 @@
     </a:clrScheme>
     <a:fontScheme name="Office">
       <a:majorFont>
-        <a:latin typeface="Calibri Light" panose="020F0302020204030204"/>
+        <a:latin typeface="Calibri Light"/>
         <a:ea typeface=""/>
         <a:cs typeface=""/>
         <a:font script="Jpan" typeface="ＭＳ Ｐゴシック"/>
@@ -35100,7 +35541,7 @@
         <a:font script="Geor" typeface="Sylfaen"/>
       </a:majorFont>
       <a:minorFont>
-        <a:latin typeface="Calibri" panose="020F0502020204030204"/>
+        <a:latin typeface="Calibri"/>
         <a:ea typeface=""/>
         <a:cs typeface=""/>
         <a:font script="Jpan" typeface="ＭＳ Ｐゴシック"/>
